--- a/SupportPresentation_PFFHomey.pptx
+++ b/SupportPresentation_PFFHomey.pptx
@@ -34,22 +34,21 @@
     <p:sldId id="279" r:id="rId29"/>
     <p:sldId id="280" r:id="rId30"/>
     <p:sldId id="281" r:id="rId31"/>
-    <p:sldId id="282" r:id="rId32"/>
   </p:sldIdLst>
   <p:sldSz cy="5143500" cx="9144000"/>
   <p:notesSz cx="6858000" cy="9144000"/>
   <p:embeddedFontLst>
     <p:embeddedFont>
       <p:font typeface="PT Sans Narrow"/>
-      <p:regular r:id="rId33"/>
-      <p:bold r:id="rId34"/>
+      <p:regular r:id="rId32"/>
+      <p:bold r:id="rId33"/>
     </p:embeddedFont>
     <p:embeddedFont>
       <p:font typeface="Open Sans"/>
-      <p:regular r:id="rId35"/>
-      <p:bold r:id="rId36"/>
-      <p:italic r:id="rId37"/>
-      <p:boldItalic r:id="rId38"/>
+      <p:regular r:id="rId34"/>
+      <p:bold r:id="rId35"/>
+      <p:italic r:id="rId36"/>
+      <p:boldItalic r:id="rId37"/>
     </p:embeddedFont>
   </p:embeddedFontLst>
   <p:defaultTextStyle>
@@ -297,7 +296,7 @@
       </p15:sldGuideLst>
     </p:ext>
     <p:ext uri="GoogleSlidesCustomDataVersion2">
-      <go:slidesCustomData xmlns:go="http://customooxmlschemas.google.com/" r:id="rId39" roundtripDataSignature="AMtx7mgxyPs436Fqwc3XSZWfjd1H1jLMFA=="/>
+      <go:slidesCustomData xmlns:go="http://customooxmlschemas.google.com/" r:id="rId38" roundtripDataSignature="AMtx7mg2tD3YcNvxQG/ufRP7hDjjZ+ODZQ=="/>
     </p:ext>
   </p:extLst>
 </p:presentation>
@@ -1085,15 +1084,7 @@
             </a:pPr>
             <a:r>
               <a:rPr lang="fr"/>
-              <a:t>Le </a:t>
-            </a:r>
-            <a:r>
-              <a:rPr lang="fr"/>
-              <a:t>développement</a:t>
-            </a:r>
-            <a:r>
-              <a:rPr lang="fr"/>
-              <a:t> des tests auto est souvent considéré comme une tâche d’implémentation</a:t>
+              <a:t>Le développement des tests auto est souvent considéré comme une tâche d’implémentation</a:t>
             </a:r>
             <a:endParaRPr/>
           </a:p>
@@ -1243,7 +1234,7 @@
       </p:grpSpPr>
       <p:sp>
         <p:nvSpPr>
-          <p:cNvPr id="131" name="Google Shape;131;p12:notes"/>
+          <p:cNvPr id="131" name="Google Shape;131;p13:notes"/>
           <p:cNvSpPr/>
           <p:nvPr>
             <p:ph idx="2" type="sldImg"/>
@@ -1288,7 +1279,7 @@
       </p:sp>
       <p:sp>
         <p:nvSpPr>
-          <p:cNvPr id="132" name="Google Shape;132;p12:notes"/>
+          <p:cNvPr id="132" name="Google Shape;132;p13:notes"/>
           <p:cNvSpPr txBox="1"/>
           <p:nvPr>
             <p:ph idx="1" type="body"/>
@@ -1328,7 +1319,7 @@
             </a:pPr>
             <a:r>
               <a:rPr lang="fr"/>
-              <a:t>avec et sans dates, avec des jeux de données de nombres de voyageurs</a:t>
+              <a:t>Reprendre les critères d’acceptation puis créer des tests pour chaque critère d’acceptation</a:t>
             </a:r>
             <a:endParaRPr/>
           </a:p>
@@ -1361,7 +1352,7 @@
       </p:grpSpPr>
       <p:sp>
         <p:nvSpPr>
-          <p:cNvPr id="136" name="Google Shape;136;p13:notes"/>
+          <p:cNvPr id="136" name="Google Shape;136;p14:notes"/>
           <p:cNvSpPr/>
           <p:nvPr>
             <p:ph idx="2" type="sldImg"/>
@@ -1406,7 +1397,7 @@
       </p:sp>
       <p:sp>
         <p:nvSpPr>
-          <p:cNvPr id="137" name="Google Shape;137;p13:notes"/>
+          <p:cNvPr id="137" name="Google Shape;137;p14:notes"/>
           <p:cNvSpPr txBox="1"/>
           <p:nvPr>
             <p:ph idx="1" type="body"/>
@@ -1445,8 +1436,7 @@
               <a:buNone/>
             </a:pPr>
             <a:r>
-              <a:rPr lang="fr"/>
-              <a:t>Reprendre les critères d’acceptation puis créer des tests pour chaque critère d’acceptation</a:t>
+              <a:t/>
             </a:r>
             <a:endParaRPr/>
           </a:p>
@@ -1465,7 +1455,7 @@
   <p:cSld>
     <p:spTree>
       <p:nvGrpSpPr>
-        <p:cNvPr id="140" name="Shape 140"/>
+        <p:cNvPr id="141" name="Shape 141"/>
         <p:cNvGrpSpPr/>
         <p:nvPr/>
       </p:nvGrpSpPr>
@@ -1479,7 +1469,7 @@
       </p:grpSpPr>
       <p:sp>
         <p:nvSpPr>
-          <p:cNvPr id="141" name="Google Shape;141;p14:notes"/>
+          <p:cNvPr id="142" name="Google Shape;142;p20:notes"/>
           <p:cNvSpPr/>
           <p:nvPr>
             <p:ph idx="2" type="sldImg"/>
@@ -1524,7 +1514,7 @@
       </p:sp>
       <p:sp>
         <p:nvSpPr>
-          <p:cNvPr id="142" name="Google Shape;142;p14:notes"/>
+          <p:cNvPr id="143" name="Google Shape;143;p20:notes"/>
           <p:cNvSpPr txBox="1"/>
           <p:nvPr>
             <p:ph idx="1" type="body"/>
@@ -1563,7 +1553,8 @@
               <a:buNone/>
             </a:pPr>
             <a:r>
-              <a:t/>
+              <a:rPr lang="fr"/>
+              <a:t>Pourquoi des 0% ici?</a:t>
             </a:r>
             <a:endParaRPr/>
           </a:p>
@@ -1582,7 +1573,7 @@
   <p:cSld>
     <p:spTree>
       <p:nvGrpSpPr>
-        <p:cNvPr id="145" name="Shape 145"/>
+        <p:cNvPr id="147" name="Shape 147"/>
         <p:cNvGrpSpPr/>
         <p:nvPr/>
       </p:nvGrpSpPr>
@@ -1596,7 +1587,7 @@
       </p:grpSpPr>
       <p:sp>
         <p:nvSpPr>
-          <p:cNvPr id="146" name="Google Shape;146;p15:notes"/>
+          <p:cNvPr id="148" name="Google Shape;148;g33d089eb9c7_0_3:notes"/>
           <p:cNvSpPr/>
           <p:nvPr>
             <p:ph idx="2" type="sldImg"/>
@@ -1641,7 +1632,7 @@
       </p:sp>
       <p:sp>
         <p:nvSpPr>
-          <p:cNvPr id="147" name="Google Shape;147;p15:notes"/>
+          <p:cNvPr id="149" name="Google Shape;149;g33d089eb9c7_0_3:notes"/>
           <p:cNvSpPr txBox="1"/>
           <p:nvPr>
             <p:ph idx="1" type="body"/>
@@ -1681,7 +1672,7 @@
             </a:pPr>
             <a:r>
               <a:rPr lang="fr"/>
-              <a:t>On aurait pu faire un seul plan de test pour toutes les user stories qui sont livrées dans la même version (en même temps)</a:t>
+              <a:t>Pourquoi des 0% ici?</a:t>
             </a:r>
             <a:endParaRPr/>
           </a:p>
@@ -1700,7 +1691,7 @@
   <p:cSld>
     <p:spTree>
       <p:nvGrpSpPr>
-        <p:cNvPr id="150" name="Shape 150"/>
+        <p:cNvPr id="153" name="Shape 153"/>
         <p:cNvGrpSpPr/>
         <p:nvPr/>
       </p:nvGrpSpPr>
@@ -1714,7 +1705,7 @@
       </p:grpSpPr>
       <p:sp>
         <p:nvSpPr>
-          <p:cNvPr id="151" name="Google Shape;151;p17:notes"/>
+          <p:cNvPr id="154" name="Google Shape;154;p21:notes"/>
           <p:cNvSpPr/>
           <p:nvPr>
             <p:ph idx="2" type="sldImg"/>
@@ -1759,7 +1750,7 @@
       </p:sp>
       <p:sp>
         <p:nvSpPr>
-          <p:cNvPr id="152" name="Google Shape;152;p17:notes"/>
+          <p:cNvPr id="155" name="Google Shape;155;p21:notes"/>
           <p:cNvSpPr txBox="1"/>
           <p:nvPr>
             <p:ph idx="1" type="body"/>
@@ -1798,7 +1789,8 @@
               <a:buNone/>
             </a:pPr>
             <a:r>
-              <a:t/>
+              <a:rPr lang="fr"/>
+              <a:t>Captures d’écran?</a:t>
             </a:r>
             <a:endParaRPr/>
           </a:p>
@@ -1817,7 +1809,7 @@
   <p:cSld>
     <p:spTree>
       <p:nvGrpSpPr>
-        <p:cNvPr id="155" name="Shape 155"/>
+        <p:cNvPr id="159" name="Shape 159"/>
         <p:cNvGrpSpPr/>
         <p:nvPr/>
       </p:nvGrpSpPr>
@@ -1831,7 +1823,7 @@
       </p:grpSpPr>
       <p:sp>
         <p:nvSpPr>
-          <p:cNvPr id="156" name="Google Shape;156;p20:notes"/>
+          <p:cNvPr id="160" name="Google Shape;160;g33d089eb9c7_0_9:notes"/>
           <p:cNvSpPr/>
           <p:nvPr>
             <p:ph idx="2" type="sldImg"/>
@@ -1876,7 +1868,7 @@
       </p:sp>
       <p:sp>
         <p:nvSpPr>
-          <p:cNvPr id="157" name="Google Shape;157;p20:notes"/>
+          <p:cNvPr id="161" name="Google Shape;161;g33d089eb9c7_0_9:notes"/>
           <p:cNvSpPr txBox="1"/>
           <p:nvPr>
             <p:ph idx="1" type="body"/>
@@ -1916,7 +1908,7 @@
             </a:pPr>
             <a:r>
               <a:rPr lang="fr"/>
-              <a:t>Pourquoi des 0% ici?</a:t>
+              <a:t>Captures d’écran?</a:t>
             </a:r>
             <a:endParaRPr/>
           </a:p>
@@ -1935,7 +1927,7 @@
   <p:cSld>
     <p:spTree>
       <p:nvGrpSpPr>
-        <p:cNvPr id="160" name="Shape 160"/>
+        <p:cNvPr id="165" name="Shape 165"/>
         <p:cNvGrpSpPr/>
         <p:nvPr/>
       </p:nvGrpSpPr>
@@ -1949,7 +1941,7 @@
       </p:grpSpPr>
       <p:sp>
         <p:nvSpPr>
-          <p:cNvPr id="161" name="Google Shape;161;p21:notes"/>
+          <p:cNvPr id="166" name="Google Shape;166;g3549b8b8550_0_6:notes"/>
           <p:cNvSpPr/>
           <p:nvPr>
             <p:ph idx="2" type="sldImg"/>
@@ -1994,7 +1986,7 @@
       </p:sp>
       <p:sp>
         <p:nvSpPr>
-          <p:cNvPr id="162" name="Google Shape;162;p21:notes"/>
+          <p:cNvPr id="167" name="Google Shape;167;g3549b8b8550_0_6:notes"/>
           <p:cNvSpPr txBox="1"/>
           <p:nvPr>
             <p:ph idx="1" type="body"/>
@@ -2053,7 +2045,7 @@
   <p:cSld>
     <p:spTree>
       <p:nvGrpSpPr>
-        <p:cNvPr id="166" name="Shape 166"/>
+        <p:cNvPr id="171" name="Shape 171"/>
         <p:cNvGrpSpPr/>
         <p:nvPr/>
       </p:nvGrpSpPr>
@@ -2067,7 +2059,7 @@
       </p:grpSpPr>
       <p:sp>
         <p:nvSpPr>
-          <p:cNvPr id="167" name="Google Shape;167;g3549b8b8550_0_6:notes"/>
+          <p:cNvPr id="172" name="Google Shape;172;g354cfc428f2_1_6:notes"/>
           <p:cNvSpPr/>
           <p:nvPr>
             <p:ph idx="2" type="sldImg"/>
@@ -2112,7 +2104,7 @@
       </p:sp>
       <p:sp>
         <p:nvSpPr>
-          <p:cNvPr id="168" name="Google Shape;168;g3549b8b8550_0_6:notes"/>
+          <p:cNvPr id="173" name="Google Shape;173;g354cfc428f2_1_6:notes"/>
           <p:cNvSpPr txBox="1"/>
           <p:nvPr>
             <p:ph idx="1" type="body"/>
@@ -2288,7 +2280,7 @@
   <p:cSld>
     <p:spTree>
       <p:nvGrpSpPr>
-        <p:cNvPr id="172" name="Shape 172"/>
+        <p:cNvPr id="177" name="Shape 177"/>
         <p:cNvGrpSpPr/>
         <p:nvPr/>
       </p:nvGrpSpPr>
@@ -2302,7 +2294,7 @@
       </p:grpSpPr>
       <p:sp>
         <p:nvSpPr>
-          <p:cNvPr id="173" name="Google Shape;173;g354cfc428f2_1_6:notes"/>
+          <p:cNvPr id="178" name="Google Shape;178;g354cfc428f2_1_0:notes"/>
           <p:cNvSpPr/>
           <p:nvPr>
             <p:ph idx="2" type="sldImg"/>
@@ -2347,7 +2339,7 @@
       </p:sp>
       <p:sp>
         <p:nvSpPr>
-          <p:cNvPr id="174" name="Google Shape;174;g354cfc428f2_1_6:notes"/>
+          <p:cNvPr id="179" name="Google Shape;179;g354cfc428f2_1_0:notes"/>
           <p:cNvSpPr txBox="1"/>
           <p:nvPr>
             <p:ph idx="1" type="body"/>
@@ -2406,7 +2398,7 @@
   <p:cSld>
     <p:spTree>
       <p:nvGrpSpPr>
-        <p:cNvPr id="178" name="Shape 178"/>
+        <p:cNvPr id="183" name="Shape 183"/>
         <p:cNvGrpSpPr/>
         <p:nvPr/>
       </p:nvGrpSpPr>
@@ -2420,7 +2412,7 @@
       </p:grpSpPr>
       <p:sp>
         <p:nvSpPr>
-          <p:cNvPr id="179" name="Google Shape;179;g354cfc428f2_1_0:notes"/>
+          <p:cNvPr id="184" name="Google Shape;184;g354cfc428f2_1_12:notes"/>
           <p:cNvSpPr/>
           <p:nvPr>
             <p:ph idx="2" type="sldImg"/>
@@ -2465,7 +2457,7 @@
       </p:sp>
       <p:sp>
         <p:nvSpPr>
-          <p:cNvPr id="180" name="Google Shape;180;g354cfc428f2_1_0:notes"/>
+          <p:cNvPr id="185" name="Google Shape;185;g354cfc428f2_1_12:notes"/>
           <p:cNvSpPr txBox="1"/>
           <p:nvPr>
             <p:ph idx="1" type="body"/>
@@ -2524,7 +2516,7 @@
   <p:cSld>
     <p:spTree>
       <p:nvGrpSpPr>
-        <p:cNvPr id="184" name="Shape 184"/>
+        <p:cNvPr id="189" name="Shape 189"/>
         <p:cNvGrpSpPr/>
         <p:nvPr/>
       </p:nvGrpSpPr>
@@ -2538,7 +2530,7 @@
       </p:grpSpPr>
       <p:sp>
         <p:nvSpPr>
-          <p:cNvPr id="185" name="Google Shape;185;g354cfc428f2_1_12:notes"/>
+          <p:cNvPr id="190" name="Google Shape;190;g354cfc428f2_1_18:notes"/>
           <p:cNvSpPr/>
           <p:nvPr>
             <p:ph idx="2" type="sldImg"/>
@@ -2583,7 +2575,7 @@
       </p:sp>
       <p:sp>
         <p:nvSpPr>
-          <p:cNvPr id="186" name="Google Shape;186;g354cfc428f2_1_12:notes"/>
+          <p:cNvPr id="191" name="Google Shape;191;g354cfc428f2_1_18:notes"/>
           <p:cNvSpPr txBox="1"/>
           <p:nvPr>
             <p:ph idx="1" type="body"/>
@@ -2642,7 +2634,7 @@
   <p:cSld>
     <p:spTree>
       <p:nvGrpSpPr>
-        <p:cNvPr id="190" name="Shape 190"/>
+        <p:cNvPr id="195" name="Shape 195"/>
         <p:cNvGrpSpPr/>
         <p:nvPr/>
       </p:nvGrpSpPr>
@@ -2656,7 +2648,7 @@
       </p:grpSpPr>
       <p:sp>
         <p:nvSpPr>
-          <p:cNvPr id="191" name="Google Shape;191;g354cfc428f2_1_18:notes"/>
+          <p:cNvPr id="196" name="Google Shape;196;p24:notes"/>
           <p:cNvSpPr/>
           <p:nvPr>
             <p:ph idx="2" type="sldImg"/>
@@ -2701,7 +2693,7 @@
       </p:sp>
       <p:sp>
         <p:nvSpPr>
-          <p:cNvPr id="192" name="Google Shape;192;g354cfc428f2_1_18:notes"/>
+          <p:cNvPr id="197" name="Google Shape;197;p24:notes"/>
           <p:cNvSpPr txBox="1"/>
           <p:nvPr>
             <p:ph idx="1" type="body"/>
@@ -2740,8 +2732,7 @@
               <a:buNone/>
             </a:pPr>
             <a:r>
-              <a:rPr lang="fr"/>
-              <a:t>Captures d’écran?</a:t>
+              <a:t/>
             </a:r>
             <a:endParaRPr/>
           </a:p>
@@ -2760,7 +2751,7 @@
   <p:cSld>
     <p:spTree>
       <p:nvGrpSpPr>
-        <p:cNvPr id="196" name="Shape 196"/>
+        <p:cNvPr id="200" name="Shape 200"/>
         <p:cNvGrpSpPr/>
         <p:nvPr/>
       </p:nvGrpSpPr>
@@ -2774,7 +2765,7 @@
       </p:grpSpPr>
       <p:sp>
         <p:nvSpPr>
-          <p:cNvPr id="197" name="Google Shape;197;p24:notes"/>
+          <p:cNvPr id="201" name="Google Shape;201;p25:notes"/>
           <p:cNvSpPr/>
           <p:nvPr>
             <p:ph idx="2" type="sldImg"/>
@@ -2819,7 +2810,7 @@
       </p:sp>
       <p:sp>
         <p:nvSpPr>
-          <p:cNvPr id="198" name="Google Shape;198;p24:notes"/>
+          <p:cNvPr id="202" name="Google Shape;202;p25:notes"/>
           <p:cNvSpPr txBox="1"/>
           <p:nvPr>
             <p:ph idx="1" type="body"/>
@@ -2877,7 +2868,7 @@
   <p:cSld>
     <p:spTree>
       <p:nvGrpSpPr>
-        <p:cNvPr id="201" name="Shape 201"/>
+        <p:cNvPr id="205" name="Shape 205"/>
         <p:cNvGrpSpPr/>
         <p:nvPr/>
       </p:nvGrpSpPr>
@@ -2891,7 +2882,7 @@
       </p:grpSpPr>
       <p:sp>
         <p:nvSpPr>
-          <p:cNvPr id="202" name="Google Shape;202;p25:notes"/>
+          <p:cNvPr id="206" name="Google Shape;206;g35640bb8113_0_0:notes"/>
           <p:cNvSpPr/>
           <p:nvPr>
             <p:ph idx="2" type="sldImg"/>
@@ -2936,7 +2927,7 @@
       </p:sp>
       <p:sp>
         <p:nvSpPr>
-          <p:cNvPr id="203" name="Google Shape;203;p25:notes"/>
+          <p:cNvPr id="207" name="Google Shape;207;g35640bb8113_0_0:notes"/>
           <p:cNvSpPr txBox="1"/>
           <p:nvPr>
             <p:ph idx="1" type="body"/>
@@ -2994,7 +2985,7 @@
   <p:cSld>
     <p:spTree>
       <p:nvGrpSpPr>
-        <p:cNvPr id="206" name="Shape 206"/>
+        <p:cNvPr id="210" name="Shape 210"/>
         <p:cNvGrpSpPr/>
         <p:nvPr/>
       </p:nvGrpSpPr>
@@ -3008,7 +2999,7 @@
       </p:grpSpPr>
       <p:sp>
         <p:nvSpPr>
-          <p:cNvPr id="207" name="Google Shape;207;g35640bb8113_0_0:notes"/>
+          <p:cNvPr id="211" name="Google Shape;211;p26:notes"/>
           <p:cNvSpPr/>
           <p:nvPr>
             <p:ph idx="2" type="sldImg"/>
@@ -3053,124 +3044,7 @@
       </p:sp>
       <p:sp>
         <p:nvSpPr>
-          <p:cNvPr id="208" name="Google Shape;208;g35640bb8113_0_0:notes"/>
-          <p:cNvSpPr txBox="1"/>
-          <p:nvPr>
-            <p:ph idx="1" type="body"/>
-          </p:nvPr>
-        </p:nvSpPr>
-        <p:spPr>
-          <a:xfrm>
-            <a:off x="685800" y="4343400"/>
-            <a:ext cx="5486400" cy="4114800"/>
-          </a:xfrm>
-          <a:prstGeom prst="rect">
-            <a:avLst/>
-          </a:prstGeom>
-          <a:noFill/>
-          <a:ln>
-            <a:noFill/>
-          </a:ln>
-        </p:spPr>
-        <p:txBody>
-          <a:bodyPr anchorCtr="0" anchor="t" bIns="91425" lIns="91425" spcFirstLastPara="1" rIns="91425" wrap="square" tIns="91425">
-            <a:noAutofit/>
-          </a:bodyPr>
-          <a:lstStyle/>
-          <a:p>
-            <a:pPr indent="0" lvl="0" marL="0" rtl="0" algn="l">
-              <a:lnSpc>
-                <a:spcPct val="100000"/>
-              </a:lnSpc>
-              <a:spcBef>
-                <a:spcPts val="0"/>
-              </a:spcBef>
-              <a:spcAft>
-                <a:spcPts val="0"/>
-              </a:spcAft>
-              <a:buSzPts val="1100"/>
-              <a:buNone/>
-            </a:pPr>
-            <a:r>
-              <a:t/>
-            </a:r>
-            <a:endParaRPr/>
-          </a:p>
-        </p:txBody>
-      </p:sp>
-    </p:spTree>
-  </p:cSld>
-  <p:clrMapOvr>
-    <a:masterClrMapping/>
-  </p:clrMapOvr>
-</p:notes>
-</file>
-
-<file path=ppt/notesSlides/notesSlide27.xml><?xml version="1.0" encoding="utf-8"?>
-<p:notes xmlns:a="http://schemas.openxmlformats.org/drawingml/2006/main" xmlns:r="http://schemas.openxmlformats.org/officeDocument/2006/relationships" xmlns:mc="http://schemas.openxmlformats.org/markup-compatibility/2006" xmlns:mv="urn:schemas-microsoft-com:mac:vml" xmlns:p="http://schemas.openxmlformats.org/presentationml/2006/main" xmlns:c="http://schemas.openxmlformats.org/drawingml/2006/chart" xmlns:dgm="http://schemas.openxmlformats.org/drawingml/2006/diagram" xmlns:o="urn:schemas-microsoft-com:office:office" xmlns:v="urn:schemas-microsoft-com:vml" xmlns:pvml="urn:schemas-microsoft-com:office:powerpoint" xmlns:com="http://schemas.openxmlformats.org/drawingml/2006/compatibility" xmlns:p14="http://schemas.microsoft.com/office/powerpoint/2010/main" xmlns:p15="http://schemas.microsoft.com/office/powerpoint/2012/main" xmlns:ahyp="http://schemas.microsoft.com/office/drawing/2018/hyperlinkcolor" showMasterPhAnim="0" showMasterSp="0">
-  <p:cSld>
-    <p:spTree>
-      <p:nvGrpSpPr>
-        <p:cNvPr id="211" name="Shape 211"/>
-        <p:cNvGrpSpPr/>
-        <p:nvPr/>
-      </p:nvGrpSpPr>
-      <p:grpSpPr>
-        <a:xfrm>
-          <a:off x="0" y="0"/>
-          <a:ext cx="0" cy="0"/>
-          <a:chOff x="0" y="0"/>
-          <a:chExt cx="0" cy="0"/>
-        </a:xfrm>
-      </p:grpSpPr>
-      <p:sp>
-        <p:nvSpPr>
           <p:cNvPr id="212" name="Google Shape;212;p26:notes"/>
-          <p:cNvSpPr/>
-          <p:nvPr>
-            <p:ph idx="2" type="sldImg"/>
-          </p:nvPr>
-        </p:nvSpPr>
-        <p:spPr>
-          <a:xfrm>
-            <a:off x="381300" y="685800"/>
-            <a:ext cx="6096000" cy="3429000"/>
-          </a:xfrm>
-          <a:custGeom>
-            <a:rect b="b" l="l" r="r" t="t"/>
-            <a:pathLst>
-              <a:path extrusionOk="0" h="120000" w="120000">
-                <a:moveTo>
-                  <a:pt x="0" y="0"/>
-                </a:moveTo>
-                <a:lnTo>
-                  <a:pt x="120000" y="0"/>
-                </a:lnTo>
-                <a:lnTo>
-                  <a:pt x="120000" y="120000"/>
-                </a:lnTo>
-                <a:lnTo>
-                  <a:pt x="0" y="120000"/>
-                </a:lnTo>
-                <a:close/>
-              </a:path>
-            </a:pathLst>
-          </a:custGeom>
-          <a:noFill/>
-          <a:ln cap="flat" cmpd="sng" w="9525">
-            <a:solidFill>
-              <a:srgbClr val="000000"/>
-            </a:solidFill>
-            <a:prstDash val="solid"/>
-            <a:round/>
-            <a:headEnd len="sm" w="sm" type="none"/>
-            <a:tailEnd len="sm" w="sm" type="none"/>
-          </a:ln>
-        </p:spPr>
-      </p:sp>
-      <p:sp>
-        <p:nvSpPr>
-          <p:cNvPr id="213" name="Google Shape;213;p26:notes"/>
           <p:cNvSpPr txBox="1"/>
           <p:nvPr>
             <p:ph idx="1" type="body"/>
@@ -3678,11 +3552,7 @@
             </a:pPr>
             <a:r>
               <a:rPr lang="fr"/>
-              <a:t>Les conditions de test ici sont les critères </a:t>
-            </a:r>
-            <a:r>
-              <a:rPr lang="fr"/>
-              <a:t>d'acceptation</a:t>
+              <a:t>Les conditions de test ici sont les critères d'acceptation</a:t>
             </a:r>
             <a:endParaRPr/>
           </a:p>
@@ -12541,13 +12411,12 @@
           <p:cNvPicPr preferRelativeResize="0"/>
           <p:nvPr/>
         </p:nvPicPr>
-        <p:blipFill>
+        <p:blipFill rotWithShape="1">
           <a:blip r:embed="rId3">
             <a:alphaModFix/>
           </a:blip>
-          <a:stretch>
-            <a:fillRect/>
-          </a:stretch>
+          <a:srcRect b="0" l="0" r="0" t="0"/>
+          <a:stretch/>
         </p:blipFill>
         <p:spPr>
           <a:xfrm>
@@ -12590,7 +12459,7 @@
       </p:grpSpPr>
       <p:pic>
         <p:nvPicPr>
-          <p:cNvPr id="129" name="Google Shape;129;p11" title="CaptureTC5.JPG"/>
+          <p:cNvPr id="129" name="Google Shape;129;p11" title="screencapture-file-C-Users-JOANNIS-Documents-TestAcademy-Formation-Testeur-Pro-C01-CV-Portfolio-1-1-CT-FaireDemandeReservation-html-2025-06-17-10_20_29.png"/>
           <p:cNvPicPr preferRelativeResize="0"/>
           <p:nvPr/>
         </p:nvPicPr>
@@ -12604,8 +12473,8 @@
         </p:blipFill>
         <p:spPr>
           <a:xfrm>
-            <a:off x="152400" y="442825"/>
-            <a:ext cx="8839200" cy="4374401"/>
+            <a:off x="2539625" y="152400"/>
+            <a:ext cx="3855841" cy="4838702"/>
           </a:xfrm>
           <a:prstGeom prst="rect">
             <a:avLst/>
@@ -12643,7 +12512,7 @@
       </p:grpSpPr>
       <p:pic>
         <p:nvPicPr>
-          <p:cNvPr id="134" name="Google Shape;134;p12" title="CaptureTC6.JPG"/>
+          <p:cNvPr id="134" name="Google Shape;134;p13" title="screencapture-file-C-Users-JOANNIS-Documents-TestAcademy-Formation-Testeur-Pro-C01-CV-Portfolio-1-1-CT-TraiterDemandeReservation-html-2025-06-17-10_25_30.png"/>
           <p:cNvPicPr preferRelativeResize="0"/>
           <p:nvPr/>
         </p:nvPicPr>
@@ -12657,8 +12526,8 @@
         </p:blipFill>
         <p:spPr>
           <a:xfrm>
-            <a:off x="152400" y="863300"/>
-            <a:ext cx="8839199" cy="3693651"/>
+            <a:off x="1578825" y="152400"/>
+            <a:ext cx="5437900" cy="4838701"/>
           </a:xfrm>
           <a:prstGeom prst="rect">
             <a:avLst/>
@@ -12696,7 +12565,7 @@
       </p:grpSpPr>
       <p:pic>
         <p:nvPicPr>
-          <p:cNvPr id="139" name="Google Shape;139;p13" title="TC7.JPG"/>
+          <p:cNvPr id="139" name="Google Shape;139;p14" title="Capture6.JPG"/>
           <p:cNvPicPr preferRelativeResize="0"/>
           <p:nvPr/>
         </p:nvPicPr>
@@ -12711,7 +12580,7 @@
         <p:spPr>
           <a:xfrm>
             <a:off x="152400" y="152400"/>
-            <a:ext cx="8839198" cy="4278517"/>
+            <a:ext cx="8839200" cy="3780701"/>
           </a:xfrm>
           <a:prstGeom prst="rect">
             <a:avLst/>
@@ -12722,6 +12591,46 @@
           </a:ln>
         </p:spPr>
       </p:pic>
+      <p:sp>
+        <p:nvSpPr>
+          <p:cNvPr id="140" name="Google Shape;140;p14"/>
+          <p:cNvSpPr txBox="1"/>
+          <p:nvPr>
+            <p:ph type="title"/>
+          </p:nvPr>
+        </p:nvSpPr>
+        <p:spPr>
+          <a:xfrm>
+            <a:off x="311700" y="445025"/>
+            <a:ext cx="8520600" cy="707400"/>
+          </a:xfrm>
+          <a:prstGeom prst="rect">
+            <a:avLst/>
+          </a:prstGeom>
+        </p:spPr>
+        <p:txBody>
+          <a:bodyPr anchorCtr="0" anchor="t" bIns="91425" lIns="91425" spcFirstLastPara="1" rIns="91425" wrap="square" tIns="91425">
+            <a:normAutofit fontScale="90000"/>
+          </a:bodyPr>
+          <a:lstStyle/>
+          <a:p>
+            <a:pPr indent="0" lvl="0" marL="0" rtl="0" algn="ctr">
+              <a:spcBef>
+                <a:spcPts val="0"/>
+              </a:spcBef>
+              <a:spcAft>
+                <a:spcPts val="0"/>
+              </a:spcAft>
+              <a:buNone/>
+            </a:pPr>
+            <a:r>
+              <a:rPr lang="fr"/>
+              <a:t>Développement des tests automatisés</a:t>
+            </a:r>
+            <a:endParaRPr/>
+          </a:p>
+        </p:txBody>
+      </p:sp>
     </p:spTree>
   </p:cSld>
   <p:clrMapOvr>
@@ -12735,7 +12644,7 @@
   <p:cSld>
     <p:spTree>
       <p:nvGrpSpPr>
-        <p:cNvPr id="143" name="Shape 143"/>
+        <p:cNvPr id="144" name="Shape 144"/>
         <p:cNvGrpSpPr/>
         <p:nvPr/>
       </p:nvGrpSpPr>
@@ -12749,59 +12658,7 @@
       </p:grpSpPr>
       <p:pic>
         <p:nvPicPr>
-          <p:cNvPr id="144" name="Google Shape;144;p14" title="CaptureAuto.JPG"/>
-          <p:cNvPicPr preferRelativeResize="0"/>
-          <p:nvPr/>
-        </p:nvPicPr>
-        <p:blipFill rotWithShape="1">
-          <a:blip r:embed="rId3">
-            <a:alphaModFix/>
-          </a:blip>
-          <a:srcRect b="0" l="0" r="0" t="0"/>
-          <a:stretch/>
-        </p:blipFill>
-        <p:spPr>
-          <a:xfrm>
-            <a:off x="152400" y="616975"/>
-            <a:ext cx="8839201" cy="3846875"/>
-          </a:xfrm>
-          <a:prstGeom prst="rect">
-            <a:avLst/>
-          </a:prstGeom>
-          <a:noFill/>
-          <a:ln>
-            <a:noFill/>
-          </a:ln>
-        </p:spPr>
-      </p:pic>
-    </p:spTree>
-  </p:cSld>
-  <p:clrMapOvr>
-    <a:masterClrMapping/>
-  </p:clrMapOvr>
-</p:sld>
-</file>
-
-<file path=ppt/slides/slide15.xml><?xml version="1.0" encoding="utf-8"?>
-<p:sld xmlns:a="http://schemas.openxmlformats.org/drawingml/2006/main" xmlns:r="http://schemas.openxmlformats.org/officeDocument/2006/relationships" xmlns:mc="http://schemas.openxmlformats.org/markup-compatibility/2006" xmlns:mv="urn:schemas-microsoft-com:mac:vml" xmlns:p="http://schemas.openxmlformats.org/presentationml/2006/main" xmlns:c="http://schemas.openxmlformats.org/drawingml/2006/chart" xmlns:dgm="http://schemas.openxmlformats.org/drawingml/2006/diagram" xmlns:o="urn:schemas-microsoft-com:office:office" xmlns:v="urn:schemas-microsoft-com:vml" xmlns:pvml="urn:schemas-microsoft-com:office:powerpoint" xmlns:com="http://schemas.openxmlformats.org/drawingml/2006/compatibility" xmlns:p14="http://schemas.microsoft.com/office/powerpoint/2010/main" xmlns:p15="http://schemas.microsoft.com/office/powerpoint/2012/main" xmlns:ahyp="http://schemas.microsoft.com/office/drawing/2018/hyperlinkcolor">
-  <p:cSld>
-    <p:spTree>
-      <p:nvGrpSpPr>
-        <p:cNvPr id="148" name="Shape 148"/>
-        <p:cNvGrpSpPr/>
-        <p:nvPr/>
-      </p:nvGrpSpPr>
-      <p:grpSpPr>
-        <a:xfrm>
-          <a:off x="0" y="0"/>
-          <a:ext cx="0" cy="0"/>
-          <a:chOff x="0" y="0"/>
-          <a:chExt cx="0" cy="0"/>
-        </a:xfrm>
-      </p:grpSpPr>
-      <p:pic>
-        <p:nvPicPr>
-          <p:cNvPr id="149" name="Google Shape;149;p15" title="Plan de Test pour Demande de Réservation (Version 2).html (1).html_page-0001.jpg"/>
+          <p:cNvPr id="145" name="Google Shape;145;p20" title="Capture7.JPG"/>
           <p:cNvPicPr preferRelativeResize="0"/>
           <p:nvPr/>
         </p:nvPicPr>
@@ -12816,7 +12673,7 @@
         <p:spPr>
           <a:xfrm>
             <a:off x="152400" y="152400"/>
-            <a:ext cx="8839204" cy="4419602"/>
+            <a:ext cx="8839198" cy="4110536"/>
           </a:xfrm>
           <a:prstGeom prst="rect">
             <a:avLst/>
@@ -12827,6 +12684,54 @@
           </a:ln>
         </p:spPr>
       </p:pic>
+      <p:sp>
+        <p:nvSpPr>
+          <p:cNvPr id="146" name="Google Shape;146;p20"/>
+          <p:cNvSpPr txBox="1"/>
+          <p:nvPr>
+            <p:ph type="title"/>
+          </p:nvPr>
+        </p:nvSpPr>
+        <p:spPr>
+          <a:xfrm>
+            <a:off x="311700" y="445025"/>
+            <a:ext cx="8520600" cy="707400"/>
+          </a:xfrm>
+          <a:prstGeom prst="rect">
+            <a:avLst/>
+          </a:prstGeom>
+        </p:spPr>
+        <p:txBody>
+          <a:bodyPr anchorCtr="0" anchor="t" bIns="91425" lIns="91425" spcFirstLastPara="1" rIns="91425" wrap="square" tIns="91425">
+            <a:normAutofit fontScale="90000"/>
+          </a:bodyPr>
+          <a:lstStyle/>
+          <a:p>
+            <a:pPr indent="0" lvl="0" marL="0" rtl="0" algn="ctr">
+              <a:spcBef>
+                <a:spcPts val="0"/>
+              </a:spcBef>
+              <a:spcAft>
+                <a:spcPts val="0"/>
+              </a:spcAft>
+              <a:buNone/>
+            </a:pPr>
+            <a:r>
+              <a:rPr lang="fr"/>
+              <a:t>Résultats </a:t>
+            </a:r>
+            <a:r>
+              <a:rPr lang="fr"/>
+              <a:t>d'exécution</a:t>
+            </a:r>
+            <a:r>
+              <a:rPr lang="fr"/>
+              <a:t> des tests de la story 1</a:t>
+            </a:r>
+            <a:endParaRPr/>
+          </a:p>
+        </p:txBody>
+      </p:sp>
     </p:spTree>
   </p:cSld>
   <p:clrMapOvr>
@@ -12835,12 +12740,12 @@
 </p:sld>
 </file>
 
-<file path=ppt/slides/slide16.xml><?xml version="1.0" encoding="utf-8"?>
+<file path=ppt/slides/slide15.xml><?xml version="1.0" encoding="utf-8"?>
 <p:sld xmlns:a="http://schemas.openxmlformats.org/drawingml/2006/main" xmlns:r="http://schemas.openxmlformats.org/officeDocument/2006/relationships" xmlns:mc="http://schemas.openxmlformats.org/markup-compatibility/2006" xmlns:mv="urn:schemas-microsoft-com:mac:vml" xmlns:p="http://schemas.openxmlformats.org/presentationml/2006/main" xmlns:c="http://schemas.openxmlformats.org/drawingml/2006/chart" xmlns:dgm="http://schemas.openxmlformats.org/drawingml/2006/diagram" xmlns:o="urn:schemas-microsoft-com:office:office" xmlns:v="urn:schemas-microsoft-com:vml" xmlns:pvml="urn:schemas-microsoft-com:office:powerpoint" xmlns:com="http://schemas.openxmlformats.org/drawingml/2006/compatibility" xmlns:p14="http://schemas.microsoft.com/office/powerpoint/2010/main" xmlns:p15="http://schemas.microsoft.com/office/powerpoint/2012/main" xmlns:ahyp="http://schemas.microsoft.com/office/drawing/2018/hyperlinkcolor">
   <p:cSld>
     <p:spTree>
       <p:nvGrpSpPr>
-        <p:cNvPr id="153" name="Shape 153"/>
+        <p:cNvPr id="150" name="Shape 150"/>
         <p:cNvGrpSpPr/>
         <p:nvPr/>
       </p:nvGrpSpPr>
@@ -12854,60 +12759,7 @@
       </p:grpSpPr>
       <p:pic>
         <p:nvPicPr>
-          <p:cNvPr id="154" name="Google Shape;154;p17" title="Plan de Test pour Demande de Réservation (Version 3).html (4).html_page-0001.jpg"/>
-          <p:cNvPicPr preferRelativeResize="0"/>
-          <p:nvPr/>
-        </p:nvPicPr>
-        <p:blipFill>
-          <a:blip r:embed="rId3">
-            <a:alphaModFix/>
-          </a:blip>
-          <a:stretch>
-            <a:fillRect/>
-          </a:stretch>
-        </p:blipFill>
-        <p:spPr>
-          <a:xfrm>
-            <a:off x="2746800" y="61775"/>
-            <a:ext cx="3420745" cy="4838698"/>
-          </a:xfrm>
-          <a:prstGeom prst="rect">
-            <a:avLst/>
-          </a:prstGeom>
-          <a:noFill/>
-          <a:ln>
-            <a:noFill/>
-          </a:ln>
-        </p:spPr>
-      </p:pic>
-    </p:spTree>
-  </p:cSld>
-  <p:clrMapOvr>
-    <a:masterClrMapping/>
-  </p:clrMapOvr>
-</p:sld>
-</file>
-
-<file path=ppt/slides/slide17.xml><?xml version="1.0" encoding="utf-8"?>
-<p:sld xmlns:a="http://schemas.openxmlformats.org/drawingml/2006/main" xmlns:r="http://schemas.openxmlformats.org/officeDocument/2006/relationships" xmlns:mc="http://schemas.openxmlformats.org/markup-compatibility/2006" xmlns:mv="urn:schemas-microsoft-com:mac:vml" xmlns:p="http://schemas.openxmlformats.org/presentationml/2006/main" xmlns:c="http://schemas.openxmlformats.org/drawingml/2006/chart" xmlns:dgm="http://schemas.openxmlformats.org/drawingml/2006/diagram" xmlns:o="urn:schemas-microsoft-com:office:office" xmlns:v="urn:schemas-microsoft-com:vml" xmlns:pvml="urn:schemas-microsoft-com:office:powerpoint" xmlns:com="http://schemas.openxmlformats.org/drawingml/2006/compatibility" xmlns:p14="http://schemas.microsoft.com/office/powerpoint/2010/main" xmlns:p15="http://schemas.microsoft.com/office/powerpoint/2012/main" xmlns:ahyp="http://schemas.microsoft.com/office/drawing/2018/hyperlinkcolor">
-  <p:cSld>
-    <p:spTree>
-      <p:nvGrpSpPr>
-        <p:cNvPr id="158" name="Shape 158"/>
-        <p:cNvGrpSpPr/>
-        <p:nvPr/>
-      </p:nvGrpSpPr>
-      <p:grpSpPr>
-        <a:xfrm>
-          <a:off x="0" y="0"/>
-          <a:ext cx="0" cy="0"/>
-          <a:chOff x="0" y="0"/>
-          <a:chExt cx="0" cy="0"/>
-        </a:xfrm>
-      </p:grpSpPr>
-      <p:pic>
-        <p:nvPicPr>
-          <p:cNvPr id="159" name="Google Shape;159;p20" title="CaptureRapportCouverture.JPG"/>
+          <p:cNvPr id="151" name="Google Shape;151;g33d089eb9c7_0_3" title="Capture8.JPG"/>
           <p:cNvPicPr preferRelativeResize="0"/>
           <p:nvPr/>
         </p:nvPicPr>
@@ -12922,7 +12774,7 @@
         <p:spPr>
           <a:xfrm>
             <a:off x="152400" y="152400"/>
-            <a:ext cx="8839199" cy="4193582"/>
+            <a:ext cx="8839200" cy="3427824"/>
           </a:xfrm>
           <a:prstGeom prst="rect">
             <a:avLst/>
@@ -12933,6 +12785,46 @@
           </a:ln>
         </p:spPr>
       </p:pic>
+      <p:sp>
+        <p:nvSpPr>
+          <p:cNvPr id="152" name="Google Shape;152;g33d089eb9c7_0_3"/>
+          <p:cNvSpPr txBox="1"/>
+          <p:nvPr>
+            <p:ph type="title"/>
+          </p:nvPr>
+        </p:nvSpPr>
+        <p:spPr>
+          <a:xfrm>
+            <a:off x="311700" y="445025"/>
+            <a:ext cx="8520600" cy="707400"/>
+          </a:xfrm>
+          <a:prstGeom prst="rect">
+            <a:avLst/>
+          </a:prstGeom>
+        </p:spPr>
+        <p:txBody>
+          <a:bodyPr anchorCtr="0" anchor="t" bIns="91425" lIns="91425" spcFirstLastPara="1" rIns="91425" wrap="square" tIns="91425">
+            <a:normAutofit fontScale="90000"/>
+          </a:bodyPr>
+          <a:lstStyle/>
+          <a:p>
+            <a:pPr indent="0" lvl="0" marL="0" rtl="0" algn="ctr">
+              <a:spcBef>
+                <a:spcPts val="0"/>
+              </a:spcBef>
+              <a:spcAft>
+                <a:spcPts val="0"/>
+              </a:spcAft>
+              <a:buNone/>
+            </a:pPr>
+            <a:r>
+              <a:rPr lang="fr"/>
+              <a:t>Résultats d'exécution des tests de la story 2</a:t>
+            </a:r>
+            <a:endParaRPr/>
+          </a:p>
+        </p:txBody>
+      </p:sp>
     </p:spTree>
   </p:cSld>
   <p:clrMapOvr>
@@ -12941,12 +12833,12 @@
 </p:sld>
 </file>
 
-<file path=ppt/slides/slide18.xml><?xml version="1.0" encoding="utf-8"?>
+<file path=ppt/slides/slide16.xml><?xml version="1.0" encoding="utf-8"?>
 <p:sld xmlns:a="http://schemas.openxmlformats.org/drawingml/2006/main" xmlns:r="http://schemas.openxmlformats.org/officeDocument/2006/relationships" xmlns:mc="http://schemas.openxmlformats.org/markup-compatibility/2006" xmlns:mv="urn:schemas-microsoft-com:mac:vml" xmlns:p="http://schemas.openxmlformats.org/presentationml/2006/main" xmlns:c="http://schemas.openxmlformats.org/drawingml/2006/chart" xmlns:dgm="http://schemas.openxmlformats.org/drawingml/2006/diagram" xmlns:o="urn:schemas-microsoft-com:office:office" xmlns:v="urn:schemas-microsoft-com:vml" xmlns:pvml="urn:schemas-microsoft-com:office:powerpoint" xmlns:com="http://schemas.openxmlformats.org/drawingml/2006/compatibility" xmlns:p14="http://schemas.microsoft.com/office/powerpoint/2010/main" xmlns:p15="http://schemas.microsoft.com/office/powerpoint/2012/main" xmlns:ahyp="http://schemas.microsoft.com/office/drawing/2018/hyperlinkcolor">
   <p:cSld>
     <p:spTree>
       <p:nvGrpSpPr>
-        <p:cNvPr id="163" name="Shape 163"/>
+        <p:cNvPr id="156" name="Shape 156"/>
         <p:cNvGrpSpPr/>
         <p:nvPr/>
       </p:nvGrpSpPr>
@@ -12960,7 +12852,7 @@
       </p:grpSpPr>
       <p:sp>
         <p:nvSpPr>
-          <p:cNvPr id="164" name="Google Shape;164;p21"/>
+          <p:cNvPr id="157" name="Google Shape;157;p21"/>
           <p:cNvSpPr txBox="1"/>
           <p:nvPr>
             <p:ph type="title"/>
@@ -13008,7 +12900,7 @@
       </p:sp>
       <p:pic>
         <p:nvPicPr>
-          <p:cNvPr id="165" name="Google Shape;165;p21" title="CaptureAnomalie2.JPG"/>
+          <p:cNvPr id="158" name="Google Shape;158;p21" title="CaptureAnomalie2.JPG"/>
           <p:cNvPicPr preferRelativeResize="0"/>
           <p:nvPr/>
         </p:nvPicPr>
@@ -13041,12 +12933,12 @@
 </p:sld>
 </file>
 
-<file path=ppt/slides/slide19.xml><?xml version="1.0" encoding="utf-8"?>
+<file path=ppt/slides/slide17.xml><?xml version="1.0" encoding="utf-8"?>
 <p:sld xmlns:a="http://schemas.openxmlformats.org/drawingml/2006/main" xmlns:r="http://schemas.openxmlformats.org/officeDocument/2006/relationships" xmlns:mc="http://schemas.openxmlformats.org/markup-compatibility/2006" xmlns:mv="urn:schemas-microsoft-com:mac:vml" xmlns:p="http://schemas.openxmlformats.org/presentationml/2006/main" xmlns:c="http://schemas.openxmlformats.org/drawingml/2006/chart" xmlns:dgm="http://schemas.openxmlformats.org/drawingml/2006/diagram" xmlns:o="urn:schemas-microsoft-com:office:office" xmlns:v="urn:schemas-microsoft-com:vml" xmlns:pvml="urn:schemas-microsoft-com:office:powerpoint" xmlns:com="http://schemas.openxmlformats.org/drawingml/2006/compatibility" xmlns:p14="http://schemas.microsoft.com/office/powerpoint/2010/main" xmlns:p15="http://schemas.microsoft.com/office/powerpoint/2012/main" xmlns:ahyp="http://schemas.microsoft.com/office/drawing/2018/hyperlinkcolor">
   <p:cSld>
     <p:spTree>
       <p:nvGrpSpPr>
-        <p:cNvPr id="169" name="Shape 169"/>
+        <p:cNvPr id="162" name="Shape 162"/>
         <p:cNvGrpSpPr/>
         <p:nvPr/>
       </p:nvGrpSpPr>
@@ -13060,7 +12952,7 @@
       </p:grpSpPr>
       <p:sp>
         <p:nvSpPr>
-          <p:cNvPr id="170" name="Google Shape;170;g3549b8b8550_0_6"/>
+          <p:cNvPr id="163" name="Google Shape;163;g33d089eb9c7_0_9"/>
           <p:cNvSpPr txBox="1"/>
           <p:nvPr>
             <p:ph type="title"/>
@@ -13108,7 +13000,7 @@
       </p:sp>
       <p:pic>
         <p:nvPicPr>
-          <p:cNvPr id="171" name="Google Shape;171;g3549b8b8550_0_6" title="Capture_BugCalendrier.JPG"/>
+          <p:cNvPr id="164" name="Google Shape;164;g33d089eb9c7_0_9" title="RapportDefaut_Page1.png"/>
           <p:cNvPicPr preferRelativeResize="0"/>
           <p:nvPr/>
         </p:nvPicPr>
@@ -13122,8 +13014,208 @@
         </p:blipFill>
         <p:spPr>
           <a:xfrm>
+            <a:off x="2463850" y="610150"/>
+            <a:ext cx="3372596" cy="4276828"/>
+          </a:xfrm>
+          <a:prstGeom prst="rect">
+            <a:avLst/>
+          </a:prstGeom>
+          <a:noFill/>
+          <a:ln>
+            <a:noFill/>
+          </a:ln>
+        </p:spPr>
+      </p:pic>
+    </p:spTree>
+  </p:cSld>
+  <p:clrMapOvr>
+    <a:masterClrMapping/>
+  </p:clrMapOvr>
+</p:sld>
+</file>
+
+<file path=ppt/slides/slide18.xml><?xml version="1.0" encoding="utf-8"?>
+<p:sld xmlns:a="http://schemas.openxmlformats.org/drawingml/2006/main" xmlns:r="http://schemas.openxmlformats.org/officeDocument/2006/relationships" xmlns:mc="http://schemas.openxmlformats.org/markup-compatibility/2006" xmlns:mv="urn:schemas-microsoft-com:mac:vml" xmlns:p="http://schemas.openxmlformats.org/presentationml/2006/main" xmlns:c="http://schemas.openxmlformats.org/drawingml/2006/chart" xmlns:dgm="http://schemas.openxmlformats.org/drawingml/2006/diagram" xmlns:o="urn:schemas-microsoft-com:office:office" xmlns:v="urn:schemas-microsoft-com:vml" xmlns:pvml="urn:schemas-microsoft-com:office:powerpoint" xmlns:com="http://schemas.openxmlformats.org/drawingml/2006/compatibility" xmlns:p14="http://schemas.microsoft.com/office/powerpoint/2010/main" xmlns:p15="http://schemas.microsoft.com/office/powerpoint/2012/main" xmlns:ahyp="http://schemas.microsoft.com/office/drawing/2018/hyperlinkcolor">
+  <p:cSld>
+    <p:spTree>
+      <p:nvGrpSpPr>
+        <p:cNvPr id="168" name="Shape 168"/>
+        <p:cNvGrpSpPr/>
+        <p:nvPr/>
+      </p:nvGrpSpPr>
+      <p:grpSpPr>
+        <a:xfrm>
+          <a:off x="0" y="0"/>
+          <a:ext cx="0" cy="0"/>
+          <a:chOff x="0" y="0"/>
+          <a:chExt cx="0" cy="0"/>
+        </a:xfrm>
+      </p:grpSpPr>
+      <p:sp>
+        <p:nvSpPr>
+          <p:cNvPr id="169" name="Google Shape;169;g3549b8b8550_0_6"/>
+          <p:cNvSpPr txBox="1"/>
+          <p:nvPr>
+            <p:ph type="title"/>
+          </p:nvPr>
+        </p:nvSpPr>
+        <p:spPr>
+          <a:xfrm>
+            <a:off x="311700" y="-145525"/>
+            <a:ext cx="8520600" cy="707400"/>
+          </a:xfrm>
+          <a:prstGeom prst="rect">
+            <a:avLst/>
+          </a:prstGeom>
+          <a:noFill/>
+          <a:ln>
+            <a:noFill/>
+          </a:ln>
+        </p:spPr>
+        <p:txBody>
+          <a:bodyPr anchorCtr="0" anchor="t" bIns="91425" lIns="91425" spcFirstLastPara="1" rIns="91425" wrap="square" tIns="91425">
+            <a:normAutofit fontScale="90000"/>
+          </a:bodyPr>
+          <a:lstStyle/>
+          <a:p>
+            <a:pPr indent="0" lvl="0" marL="0" rtl="0" algn="ctr">
+              <a:lnSpc>
+                <a:spcPct val="100000"/>
+              </a:lnSpc>
+              <a:spcBef>
+                <a:spcPts val="0"/>
+              </a:spcBef>
+              <a:spcAft>
+                <a:spcPts val="0"/>
+              </a:spcAft>
+              <a:buSzPct val="111111"/>
+              <a:buNone/>
+            </a:pPr>
+            <a:r>
+              <a:rPr lang="fr"/>
+              <a:t>Anomalies </a:t>
+            </a:r>
+            <a:endParaRPr/>
+          </a:p>
+        </p:txBody>
+      </p:sp>
+      <p:pic>
+        <p:nvPicPr>
+          <p:cNvPr id="170" name="Google Shape;170;g3549b8b8550_0_6" title="Capture_BugCalendrier.JPG"/>
+          <p:cNvPicPr preferRelativeResize="0"/>
+          <p:nvPr/>
+        </p:nvPicPr>
+        <p:blipFill rotWithShape="1">
+          <a:blip r:embed="rId3">
+            <a:alphaModFix/>
+          </a:blip>
+          <a:srcRect b="0" l="0" r="0" t="0"/>
+          <a:stretch/>
+        </p:blipFill>
+        <p:spPr>
+          <a:xfrm>
             <a:off x="1511925" y="561875"/>
             <a:ext cx="5742992" cy="4276825"/>
+          </a:xfrm>
+          <a:prstGeom prst="rect">
+            <a:avLst/>
+          </a:prstGeom>
+          <a:noFill/>
+          <a:ln>
+            <a:noFill/>
+          </a:ln>
+        </p:spPr>
+      </p:pic>
+    </p:spTree>
+  </p:cSld>
+  <p:clrMapOvr>
+    <a:masterClrMapping/>
+  </p:clrMapOvr>
+</p:sld>
+</file>
+
+<file path=ppt/slides/slide19.xml><?xml version="1.0" encoding="utf-8"?>
+<p:sld xmlns:a="http://schemas.openxmlformats.org/drawingml/2006/main" xmlns:r="http://schemas.openxmlformats.org/officeDocument/2006/relationships" xmlns:mc="http://schemas.openxmlformats.org/markup-compatibility/2006" xmlns:mv="urn:schemas-microsoft-com:mac:vml" xmlns:p="http://schemas.openxmlformats.org/presentationml/2006/main" xmlns:c="http://schemas.openxmlformats.org/drawingml/2006/chart" xmlns:dgm="http://schemas.openxmlformats.org/drawingml/2006/diagram" xmlns:o="urn:schemas-microsoft-com:office:office" xmlns:v="urn:schemas-microsoft-com:vml" xmlns:pvml="urn:schemas-microsoft-com:office:powerpoint" xmlns:com="http://schemas.openxmlformats.org/drawingml/2006/compatibility" xmlns:p14="http://schemas.microsoft.com/office/powerpoint/2010/main" xmlns:p15="http://schemas.microsoft.com/office/powerpoint/2012/main" xmlns:ahyp="http://schemas.microsoft.com/office/drawing/2018/hyperlinkcolor">
+  <p:cSld>
+    <p:spTree>
+      <p:nvGrpSpPr>
+        <p:cNvPr id="174" name="Shape 174"/>
+        <p:cNvGrpSpPr/>
+        <p:nvPr/>
+      </p:nvGrpSpPr>
+      <p:grpSpPr>
+        <a:xfrm>
+          <a:off x="0" y="0"/>
+          <a:ext cx="0" cy="0"/>
+          <a:chOff x="0" y="0"/>
+          <a:chExt cx="0" cy="0"/>
+        </a:xfrm>
+      </p:grpSpPr>
+      <p:sp>
+        <p:nvSpPr>
+          <p:cNvPr id="175" name="Google Shape;175;g354cfc428f2_1_6"/>
+          <p:cNvSpPr txBox="1"/>
+          <p:nvPr>
+            <p:ph type="title"/>
+          </p:nvPr>
+        </p:nvSpPr>
+        <p:spPr>
+          <a:xfrm>
+            <a:off x="311700" y="-145525"/>
+            <a:ext cx="8520600" cy="707400"/>
+          </a:xfrm>
+          <a:prstGeom prst="rect">
+            <a:avLst/>
+          </a:prstGeom>
+          <a:noFill/>
+          <a:ln>
+            <a:noFill/>
+          </a:ln>
+        </p:spPr>
+        <p:txBody>
+          <a:bodyPr anchorCtr="0" anchor="t" bIns="91425" lIns="91425" spcFirstLastPara="1" rIns="91425" wrap="square" tIns="91425">
+            <a:normAutofit fontScale="90000"/>
+          </a:bodyPr>
+          <a:lstStyle/>
+          <a:p>
+            <a:pPr indent="0" lvl="0" marL="0" rtl="0" algn="ctr">
+              <a:lnSpc>
+                <a:spcPct val="100000"/>
+              </a:lnSpc>
+              <a:spcBef>
+                <a:spcPts val="0"/>
+              </a:spcBef>
+              <a:spcAft>
+                <a:spcPts val="0"/>
+              </a:spcAft>
+              <a:buSzPct val="111111"/>
+              <a:buNone/>
+            </a:pPr>
+            <a:r>
+              <a:rPr lang="fr"/>
+              <a:t>Anomalies </a:t>
+            </a:r>
+            <a:endParaRPr/>
+          </a:p>
+        </p:txBody>
+      </p:sp>
+      <p:pic>
+        <p:nvPicPr>
+          <p:cNvPr id="176" name="Google Shape;176;g354cfc428f2_1_6" title="CaptureDescriptionBug.JPG"/>
+          <p:cNvPicPr preferRelativeResize="0"/>
+          <p:nvPr/>
+        </p:nvPicPr>
+        <p:blipFill rotWithShape="1">
+          <a:blip r:embed="rId3">
+            <a:alphaModFix/>
+          </a:blip>
+          <a:srcRect b="0" l="0" r="0" t="0"/>
+          <a:stretch/>
+        </p:blipFill>
+        <p:spPr>
+          <a:xfrm>
+            <a:off x="152400" y="714275"/>
+            <a:ext cx="8839203" cy="4120402"/>
           </a:xfrm>
           <a:prstGeom prst="rect">
             <a:avLst/>
@@ -13369,7 +13461,15 @@
             </a:pPr>
             <a:r>
               <a:rPr lang="fr"/>
-              <a:t>Résultats finaux</a:t>
+              <a:t>Résultats finaux &amp; Preuves </a:t>
+            </a:r>
+            <a:r>
+              <a:rPr lang="fr"/>
+              <a:t>d'exécutions</a:t>
+            </a:r>
+            <a:r>
+              <a:rPr lang="fr"/>
+              <a:t> des tests</a:t>
             </a:r>
             <a:endParaRPr/>
           </a:p>
@@ -13428,7 +13528,7 @@
   <p:cSld>
     <p:spTree>
       <p:nvGrpSpPr>
-        <p:cNvPr id="175" name="Shape 175"/>
+        <p:cNvPr id="180" name="Shape 180"/>
         <p:cNvGrpSpPr/>
         <p:nvPr/>
       </p:nvGrpSpPr>
@@ -13442,7 +13542,107 @@
       </p:grpSpPr>
       <p:sp>
         <p:nvSpPr>
-          <p:cNvPr id="176" name="Google Shape;176;g354cfc428f2_1_6"/>
+          <p:cNvPr id="181" name="Google Shape;181;g354cfc428f2_1_0"/>
+          <p:cNvSpPr txBox="1"/>
+          <p:nvPr>
+            <p:ph type="title"/>
+          </p:nvPr>
+        </p:nvSpPr>
+        <p:spPr>
+          <a:xfrm>
+            <a:off x="311700" y="0"/>
+            <a:ext cx="8520600" cy="707400"/>
+          </a:xfrm>
+          <a:prstGeom prst="rect">
+            <a:avLst/>
+          </a:prstGeom>
+          <a:noFill/>
+          <a:ln>
+            <a:noFill/>
+          </a:ln>
+        </p:spPr>
+        <p:txBody>
+          <a:bodyPr anchorCtr="0" anchor="t" bIns="91425" lIns="91425" spcFirstLastPara="1" rIns="91425" wrap="square" tIns="91425">
+            <a:normAutofit fontScale="90000"/>
+          </a:bodyPr>
+          <a:lstStyle/>
+          <a:p>
+            <a:pPr indent="0" lvl="0" marL="0" rtl="0" algn="ctr">
+              <a:lnSpc>
+                <a:spcPct val="100000"/>
+              </a:lnSpc>
+              <a:spcBef>
+                <a:spcPts val="0"/>
+              </a:spcBef>
+              <a:spcAft>
+                <a:spcPts val="0"/>
+              </a:spcAft>
+              <a:buSzPct val="111111"/>
+              <a:buNone/>
+            </a:pPr>
+            <a:r>
+              <a:rPr lang="fr"/>
+              <a:t>Anomalies </a:t>
+            </a:r>
+            <a:endParaRPr/>
+          </a:p>
+        </p:txBody>
+      </p:sp>
+      <p:pic>
+        <p:nvPicPr>
+          <p:cNvPr id="182" name="Google Shape;182;g354cfc428f2_1_0" title="Capture_BugViewRemiseButton.JPG"/>
+          <p:cNvPicPr preferRelativeResize="0"/>
+          <p:nvPr/>
+        </p:nvPicPr>
+        <p:blipFill rotWithShape="1">
+          <a:blip r:embed="rId3">
+            <a:alphaModFix/>
+          </a:blip>
+          <a:srcRect b="0" l="0" r="0" t="0"/>
+          <a:stretch/>
+        </p:blipFill>
+        <p:spPr>
+          <a:xfrm>
+            <a:off x="236200" y="671263"/>
+            <a:ext cx="8671596" cy="4276825"/>
+          </a:xfrm>
+          <a:prstGeom prst="rect">
+            <a:avLst/>
+          </a:prstGeom>
+          <a:noFill/>
+          <a:ln>
+            <a:noFill/>
+          </a:ln>
+        </p:spPr>
+      </p:pic>
+    </p:spTree>
+  </p:cSld>
+  <p:clrMapOvr>
+    <a:masterClrMapping/>
+  </p:clrMapOvr>
+</p:sld>
+</file>
+
+<file path=ppt/slides/slide21.xml><?xml version="1.0" encoding="utf-8"?>
+<p:sld xmlns:a="http://schemas.openxmlformats.org/drawingml/2006/main" xmlns:r="http://schemas.openxmlformats.org/officeDocument/2006/relationships" xmlns:mc="http://schemas.openxmlformats.org/markup-compatibility/2006" xmlns:mv="urn:schemas-microsoft-com:mac:vml" xmlns:p="http://schemas.openxmlformats.org/presentationml/2006/main" xmlns:c="http://schemas.openxmlformats.org/drawingml/2006/chart" xmlns:dgm="http://schemas.openxmlformats.org/drawingml/2006/diagram" xmlns:o="urn:schemas-microsoft-com:office:office" xmlns:v="urn:schemas-microsoft-com:vml" xmlns:pvml="urn:schemas-microsoft-com:office:powerpoint" xmlns:com="http://schemas.openxmlformats.org/drawingml/2006/compatibility" xmlns:p14="http://schemas.microsoft.com/office/powerpoint/2010/main" xmlns:p15="http://schemas.microsoft.com/office/powerpoint/2012/main" xmlns:ahyp="http://schemas.microsoft.com/office/drawing/2018/hyperlinkcolor">
+  <p:cSld>
+    <p:spTree>
+      <p:nvGrpSpPr>
+        <p:cNvPr id="186" name="Shape 186"/>
+        <p:cNvGrpSpPr/>
+        <p:nvPr/>
+      </p:nvGrpSpPr>
+      <p:grpSpPr>
+        <a:xfrm>
+          <a:off x="0" y="0"/>
+          <a:ext cx="0" cy="0"/>
+          <a:chOff x="0" y="0"/>
+          <a:chExt cx="0" cy="0"/>
+        </a:xfrm>
+      </p:grpSpPr>
+      <p:sp>
+        <p:nvSpPr>
+          <p:cNvPr id="187" name="Google Shape;187;g354cfc428f2_1_12"/>
           <p:cNvSpPr txBox="1"/>
           <p:nvPr>
             <p:ph type="title"/>
@@ -13490,22 +13690,21 @@
       </p:sp>
       <p:pic>
         <p:nvPicPr>
-          <p:cNvPr id="177" name="Google Shape;177;g354cfc428f2_1_6" title="CaptureDescriptionBug.JPG"/>
+          <p:cNvPr id="188" name="Google Shape;188;g354cfc428f2_1_12" title="CaptureAbsenceMessage.JPG"/>
           <p:cNvPicPr preferRelativeResize="0"/>
           <p:nvPr/>
         </p:nvPicPr>
-        <p:blipFill>
+        <p:blipFill rotWithShape="1">
           <a:blip r:embed="rId3">
             <a:alphaModFix/>
           </a:blip>
-          <a:stretch>
-            <a:fillRect/>
-          </a:stretch>
+          <a:srcRect b="0" l="0" r="0" t="0"/>
+          <a:stretch/>
         </p:blipFill>
         <p:spPr>
           <a:xfrm>
             <a:off x="152400" y="714275"/>
-            <a:ext cx="8839203" cy="4120402"/>
+            <a:ext cx="8839197" cy="4212699"/>
           </a:xfrm>
           <a:prstGeom prst="rect">
             <a:avLst/>
@@ -13524,12 +13723,12 @@
 </p:sld>
 </file>
 
-<file path=ppt/slides/slide21.xml><?xml version="1.0" encoding="utf-8"?>
+<file path=ppt/slides/slide22.xml><?xml version="1.0" encoding="utf-8"?>
 <p:sld xmlns:a="http://schemas.openxmlformats.org/drawingml/2006/main" xmlns:r="http://schemas.openxmlformats.org/officeDocument/2006/relationships" xmlns:mc="http://schemas.openxmlformats.org/markup-compatibility/2006" xmlns:mv="urn:schemas-microsoft-com:mac:vml" xmlns:p="http://schemas.openxmlformats.org/presentationml/2006/main" xmlns:c="http://schemas.openxmlformats.org/drawingml/2006/chart" xmlns:dgm="http://schemas.openxmlformats.org/drawingml/2006/diagram" xmlns:o="urn:schemas-microsoft-com:office:office" xmlns:v="urn:schemas-microsoft-com:vml" xmlns:pvml="urn:schemas-microsoft-com:office:powerpoint" xmlns:com="http://schemas.openxmlformats.org/drawingml/2006/compatibility" xmlns:p14="http://schemas.microsoft.com/office/powerpoint/2010/main" xmlns:p15="http://schemas.microsoft.com/office/powerpoint/2012/main" xmlns:ahyp="http://schemas.microsoft.com/office/drawing/2018/hyperlinkcolor">
   <p:cSld>
     <p:spTree>
       <p:nvGrpSpPr>
-        <p:cNvPr id="181" name="Shape 181"/>
+        <p:cNvPr id="192" name="Shape 192"/>
         <p:cNvGrpSpPr/>
         <p:nvPr/>
       </p:nvGrpSpPr>
@@ -13543,7 +13742,7 @@
       </p:grpSpPr>
       <p:sp>
         <p:nvSpPr>
-          <p:cNvPr id="182" name="Google Shape;182;g354cfc428f2_1_0"/>
+          <p:cNvPr id="193" name="Google Shape;193;g354cfc428f2_1_18"/>
           <p:cNvSpPr txBox="1"/>
           <p:nvPr>
             <p:ph type="title"/>
@@ -13591,123 +13790,21 @@
       </p:sp>
       <p:pic>
         <p:nvPicPr>
-          <p:cNvPr id="183" name="Google Shape;183;g354cfc428f2_1_0" title="Capture_BugViewRemiseButton.JPG"/>
+          <p:cNvPr id="194" name="Google Shape;194;g354cfc428f2_1_18" title="CaptureBugMessage.JPG"/>
           <p:cNvPicPr preferRelativeResize="0"/>
           <p:nvPr/>
         </p:nvPicPr>
-        <p:blipFill>
+        <p:blipFill rotWithShape="1">
           <a:blip r:embed="rId3">
             <a:alphaModFix/>
           </a:blip>
-          <a:stretch>
-            <a:fillRect/>
-          </a:stretch>
+          <a:srcRect b="0" l="0" r="0" t="0"/>
+          <a:stretch/>
         </p:blipFill>
         <p:spPr>
           <a:xfrm>
-            <a:off x="236200" y="671263"/>
-            <a:ext cx="8671596" cy="4276825"/>
-          </a:xfrm>
-          <a:prstGeom prst="rect">
-            <a:avLst/>
-          </a:prstGeom>
-          <a:noFill/>
-          <a:ln>
-            <a:noFill/>
-          </a:ln>
-        </p:spPr>
-      </p:pic>
-    </p:spTree>
-  </p:cSld>
-  <p:clrMapOvr>
-    <a:masterClrMapping/>
-  </p:clrMapOvr>
-</p:sld>
-</file>
-
-<file path=ppt/slides/slide22.xml><?xml version="1.0" encoding="utf-8"?>
-<p:sld xmlns:a="http://schemas.openxmlformats.org/drawingml/2006/main" xmlns:r="http://schemas.openxmlformats.org/officeDocument/2006/relationships" xmlns:mc="http://schemas.openxmlformats.org/markup-compatibility/2006" xmlns:mv="urn:schemas-microsoft-com:mac:vml" xmlns:p="http://schemas.openxmlformats.org/presentationml/2006/main" xmlns:c="http://schemas.openxmlformats.org/drawingml/2006/chart" xmlns:dgm="http://schemas.openxmlformats.org/drawingml/2006/diagram" xmlns:o="urn:schemas-microsoft-com:office:office" xmlns:v="urn:schemas-microsoft-com:vml" xmlns:pvml="urn:schemas-microsoft-com:office:powerpoint" xmlns:com="http://schemas.openxmlformats.org/drawingml/2006/compatibility" xmlns:p14="http://schemas.microsoft.com/office/powerpoint/2010/main" xmlns:p15="http://schemas.microsoft.com/office/powerpoint/2012/main" xmlns:ahyp="http://schemas.microsoft.com/office/drawing/2018/hyperlinkcolor">
-  <p:cSld>
-    <p:spTree>
-      <p:nvGrpSpPr>
-        <p:cNvPr id="187" name="Shape 187"/>
-        <p:cNvGrpSpPr/>
-        <p:nvPr/>
-      </p:nvGrpSpPr>
-      <p:grpSpPr>
-        <a:xfrm>
-          <a:off x="0" y="0"/>
-          <a:ext cx="0" cy="0"/>
-          <a:chOff x="0" y="0"/>
-          <a:chExt cx="0" cy="0"/>
-        </a:xfrm>
-      </p:grpSpPr>
-      <p:sp>
-        <p:nvSpPr>
-          <p:cNvPr id="188" name="Google Shape;188;g354cfc428f2_1_12"/>
-          <p:cNvSpPr txBox="1"/>
-          <p:nvPr>
-            <p:ph type="title"/>
-          </p:nvPr>
-        </p:nvSpPr>
-        <p:spPr>
-          <a:xfrm>
-            <a:off x="311700" y="-145525"/>
-            <a:ext cx="8520600" cy="707400"/>
-          </a:xfrm>
-          <a:prstGeom prst="rect">
-            <a:avLst/>
-          </a:prstGeom>
-          <a:noFill/>
-          <a:ln>
-            <a:noFill/>
-          </a:ln>
-        </p:spPr>
-        <p:txBody>
-          <a:bodyPr anchorCtr="0" anchor="t" bIns="91425" lIns="91425" spcFirstLastPara="1" rIns="91425" wrap="square" tIns="91425">
-            <a:normAutofit fontScale="90000"/>
-          </a:bodyPr>
-          <a:lstStyle/>
-          <a:p>
-            <a:pPr indent="0" lvl="0" marL="0" rtl="0" algn="ctr">
-              <a:lnSpc>
-                <a:spcPct val="100000"/>
-              </a:lnSpc>
-              <a:spcBef>
-                <a:spcPts val="0"/>
-              </a:spcBef>
-              <a:spcAft>
-                <a:spcPts val="0"/>
-              </a:spcAft>
-              <a:buSzPct val="111111"/>
-              <a:buNone/>
-            </a:pPr>
-            <a:r>
-              <a:rPr lang="fr"/>
-              <a:t>Anomalies </a:t>
-            </a:r>
-            <a:endParaRPr/>
-          </a:p>
-        </p:txBody>
-      </p:sp>
-      <p:pic>
-        <p:nvPicPr>
-          <p:cNvPr id="189" name="Google Shape;189;g354cfc428f2_1_12" title="CaptureAbsenceMessage.JPG"/>
-          <p:cNvPicPr preferRelativeResize="0"/>
-          <p:nvPr/>
-        </p:nvPicPr>
-        <p:blipFill>
-          <a:blip r:embed="rId3">
-            <a:alphaModFix/>
-          </a:blip>
-          <a:stretch>
-            <a:fillRect/>
-          </a:stretch>
-        </p:blipFill>
-        <p:spPr>
-          <a:xfrm>
-            <a:off x="152400" y="714275"/>
-            <a:ext cx="8839197" cy="4212699"/>
+            <a:off x="152400" y="859800"/>
+            <a:ext cx="8839202" cy="3904241"/>
           </a:xfrm>
           <a:prstGeom prst="rect">
             <a:avLst/>
@@ -13731,7 +13828,7 @@
   <p:cSld>
     <p:spTree>
       <p:nvGrpSpPr>
-        <p:cNvPr id="193" name="Shape 193"/>
+        <p:cNvPr id="198" name="Shape 198"/>
         <p:cNvGrpSpPr/>
         <p:nvPr/>
       </p:nvGrpSpPr>
@@ -13743,57 +13840,9 @@
           <a:chExt cx="0" cy="0"/>
         </a:xfrm>
       </p:grpSpPr>
-      <p:sp>
-        <p:nvSpPr>
-          <p:cNvPr id="194" name="Google Shape;194;g354cfc428f2_1_18"/>
-          <p:cNvSpPr txBox="1"/>
-          <p:nvPr>
-            <p:ph type="title"/>
-          </p:nvPr>
-        </p:nvSpPr>
-        <p:spPr>
-          <a:xfrm>
-            <a:off x="311700" y="0"/>
-            <a:ext cx="8520600" cy="707400"/>
-          </a:xfrm>
-          <a:prstGeom prst="rect">
-            <a:avLst/>
-          </a:prstGeom>
-          <a:noFill/>
-          <a:ln>
-            <a:noFill/>
-          </a:ln>
-        </p:spPr>
-        <p:txBody>
-          <a:bodyPr anchorCtr="0" anchor="t" bIns="91425" lIns="91425" spcFirstLastPara="1" rIns="91425" wrap="square" tIns="91425">
-            <a:normAutofit fontScale="90000"/>
-          </a:bodyPr>
-          <a:lstStyle/>
-          <a:p>
-            <a:pPr indent="0" lvl="0" marL="0" rtl="0" algn="ctr">
-              <a:lnSpc>
-                <a:spcPct val="100000"/>
-              </a:lnSpc>
-              <a:spcBef>
-                <a:spcPts val="0"/>
-              </a:spcBef>
-              <a:spcAft>
-                <a:spcPts val="0"/>
-              </a:spcAft>
-              <a:buSzPct val="111111"/>
-              <a:buNone/>
-            </a:pPr>
-            <a:r>
-              <a:rPr lang="fr"/>
-              <a:t>Anomalies </a:t>
-            </a:r>
-            <a:endParaRPr/>
-          </a:p>
-        </p:txBody>
-      </p:sp>
       <p:pic>
         <p:nvPicPr>
-          <p:cNvPr id="195" name="Google Shape;195;g354cfc428f2_1_18" title="CaptureBugMessage.JPG"/>
+          <p:cNvPr id="199" name="Google Shape;199;p24" title="RPFinal.png"/>
           <p:cNvPicPr preferRelativeResize="0"/>
           <p:nvPr/>
         </p:nvPicPr>
@@ -13807,8 +13856,8 @@
         </p:blipFill>
         <p:spPr>
           <a:xfrm>
-            <a:off x="152400" y="859800"/>
-            <a:ext cx="8839202" cy="3904241"/>
+            <a:off x="2890750" y="204450"/>
+            <a:ext cx="2669792" cy="4838702"/>
           </a:xfrm>
           <a:prstGeom prst="rect">
             <a:avLst/>
@@ -13832,7 +13881,7 @@
   <p:cSld>
     <p:spTree>
       <p:nvGrpSpPr>
-        <p:cNvPr id="199" name="Shape 199"/>
+        <p:cNvPr id="203" name="Shape 203"/>
         <p:cNvGrpSpPr/>
         <p:nvPr/>
       </p:nvGrpSpPr>
@@ -13846,22 +13895,21 @@
       </p:grpSpPr>
       <p:pic>
         <p:nvPicPr>
-          <p:cNvPr id="200" name="Google Shape;200;p24" title="CaptureRapportTest.JPG"/>
+          <p:cNvPr id="204" name="Google Shape;204;p25" title="CaptureReportAuto.JPG"/>
           <p:cNvPicPr preferRelativeResize="0"/>
           <p:nvPr/>
         </p:nvPicPr>
-        <p:blipFill>
+        <p:blipFill rotWithShape="1">
           <a:blip r:embed="rId3">
             <a:alphaModFix/>
           </a:blip>
-          <a:stretch>
-            <a:fillRect/>
-          </a:stretch>
+          <a:srcRect b="0" l="0" r="0" t="0"/>
+          <a:stretch/>
         </p:blipFill>
         <p:spPr>
           <a:xfrm>
-            <a:off x="152400" y="152400"/>
-            <a:ext cx="8839198" cy="3818533"/>
+            <a:off x="152400" y="449800"/>
+            <a:ext cx="8839198" cy="4014025"/>
           </a:xfrm>
           <a:prstGeom prst="rect">
             <a:avLst/>
@@ -13885,7 +13933,7 @@
   <p:cSld>
     <p:spTree>
       <p:nvGrpSpPr>
-        <p:cNvPr id="204" name="Shape 204"/>
+        <p:cNvPr id="208" name="Shape 208"/>
         <p:cNvGrpSpPr/>
         <p:nvPr/>
       </p:nvGrpSpPr>
@@ -13899,7 +13947,7 @@
       </p:grpSpPr>
       <p:pic>
         <p:nvPicPr>
-          <p:cNvPr id="205" name="Google Shape;205;p25" title="CaptureReportAuto.JPG"/>
+          <p:cNvPr id="209" name="Google Shape;209;g35640bb8113_0_0" title="Opera Instantané_2025-05-08_224309_log.html.png"/>
           <p:cNvPicPr preferRelativeResize="0"/>
           <p:nvPr/>
         </p:nvPicPr>
@@ -13912,8 +13960,8 @@
         </p:blipFill>
         <p:spPr>
           <a:xfrm>
-            <a:off x="152400" y="287575"/>
-            <a:ext cx="8839198" cy="4176250"/>
+            <a:off x="152400" y="152400"/>
+            <a:ext cx="8764438" cy="4838700"/>
           </a:xfrm>
           <a:prstGeom prst="rect">
             <a:avLst/>
@@ -13937,60 +13985,7 @@
   <p:cSld>
     <p:spTree>
       <p:nvGrpSpPr>
-        <p:cNvPr id="209" name="Shape 209"/>
-        <p:cNvGrpSpPr/>
-        <p:nvPr/>
-      </p:nvGrpSpPr>
-      <p:grpSpPr>
-        <a:xfrm>
-          <a:off x="0" y="0"/>
-          <a:ext cx="0" cy="0"/>
-          <a:chOff x="0" y="0"/>
-          <a:chExt cx="0" cy="0"/>
-        </a:xfrm>
-      </p:grpSpPr>
-      <p:pic>
-        <p:nvPicPr>
-          <p:cNvPr id="210" name="Google Shape;210;g35640bb8113_0_0" title="Opera Instantané_2025-05-08_224309_log.html.png"/>
-          <p:cNvPicPr preferRelativeResize="0"/>
-          <p:nvPr/>
-        </p:nvPicPr>
-        <p:blipFill>
-          <a:blip r:embed="rId3">
-            <a:alphaModFix/>
-          </a:blip>
-          <a:stretch>
-            <a:fillRect/>
-          </a:stretch>
-        </p:blipFill>
-        <p:spPr>
-          <a:xfrm>
-            <a:off x="152400" y="152400"/>
-            <a:ext cx="8764438" cy="4838700"/>
-          </a:xfrm>
-          <a:prstGeom prst="rect">
-            <a:avLst/>
-          </a:prstGeom>
-          <a:noFill/>
-          <a:ln>
-            <a:noFill/>
-          </a:ln>
-        </p:spPr>
-      </p:pic>
-    </p:spTree>
-  </p:cSld>
-  <p:clrMapOvr>
-    <a:masterClrMapping/>
-  </p:clrMapOvr>
-</p:sld>
-</file>
-
-<file path=ppt/slides/slide27.xml><?xml version="1.0" encoding="utf-8"?>
-<p:sld xmlns:a="http://schemas.openxmlformats.org/drawingml/2006/main" xmlns:r="http://schemas.openxmlformats.org/officeDocument/2006/relationships" xmlns:mc="http://schemas.openxmlformats.org/markup-compatibility/2006" xmlns:mv="urn:schemas-microsoft-com:mac:vml" xmlns:p="http://schemas.openxmlformats.org/presentationml/2006/main" xmlns:c="http://schemas.openxmlformats.org/drawingml/2006/chart" xmlns:dgm="http://schemas.openxmlformats.org/drawingml/2006/diagram" xmlns:o="urn:schemas-microsoft-com:office:office" xmlns:v="urn:schemas-microsoft-com:vml" xmlns:pvml="urn:schemas-microsoft-com:office:powerpoint" xmlns:com="http://schemas.openxmlformats.org/drawingml/2006/compatibility" xmlns:p14="http://schemas.microsoft.com/office/powerpoint/2010/main" xmlns:p15="http://schemas.microsoft.com/office/powerpoint/2012/main" xmlns:ahyp="http://schemas.microsoft.com/office/drawing/2018/hyperlinkcolor">
-  <p:cSld>
-    <p:spTree>
-      <p:nvGrpSpPr>
-        <p:cNvPr id="214" name="Shape 214"/>
+        <p:cNvPr id="213" name="Shape 213"/>
         <p:cNvGrpSpPr/>
         <p:nvPr/>
       </p:nvGrpSpPr>
@@ -14004,7 +13999,7 @@
       </p:grpSpPr>
       <p:sp>
         <p:nvSpPr>
-          <p:cNvPr id="215" name="Google Shape;215;p26"/>
+          <p:cNvPr id="214" name="Google Shape;214;p26"/>
           <p:cNvSpPr txBox="1"/>
           <p:nvPr>
             <p:ph idx="4294967295" type="ctrTitle"/>
@@ -14072,17 +14067,16 @@
       </p:sp>
       <p:pic>
         <p:nvPicPr>
-          <p:cNvPr id="216" name="Google Shape;216;p26" title="CapturePreconisation.JPG"/>
+          <p:cNvPr id="215" name="Google Shape;215;p26" title="CapturePreconisation.JPG"/>
           <p:cNvPicPr preferRelativeResize="0"/>
           <p:nvPr/>
         </p:nvPicPr>
-        <p:blipFill>
+        <p:blipFill rotWithShape="1">
           <a:blip r:embed="rId3">
             <a:alphaModFix/>
           </a:blip>
-          <a:stretch>
-            <a:fillRect/>
-          </a:stretch>
+          <a:srcRect b="0" l="0" r="0" t="0"/>
+          <a:stretch/>
         </p:blipFill>
         <p:spPr>
           <a:xfrm>
@@ -14618,13 +14612,12 @@
           <p:cNvPicPr preferRelativeResize="0"/>
           <p:nvPr/>
         </p:nvPicPr>
-        <p:blipFill>
+        <p:blipFill rotWithShape="1">
           <a:blip r:embed="rId3">
             <a:alphaModFix/>
           </a:blip>
-          <a:stretch>
-            <a:fillRect/>
-          </a:stretch>
+          <a:srcRect b="0" l="0" r="0" t="0"/>
+          <a:stretch/>
         </p:blipFill>
         <p:spPr>
           <a:xfrm>
@@ -14719,13 +14712,12 @@
           <p:cNvPicPr preferRelativeResize="0"/>
           <p:nvPr/>
         </p:nvPicPr>
-        <p:blipFill>
+        <p:blipFill rotWithShape="1">
           <a:blip r:embed="rId3">
             <a:alphaModFix/>
           </a:blip>
-          <a:stretch>
-            <a:fillRect/>
-          </a:stretch>
+          <a:srcRect b="0" l="0" r="0" t="0"/>
+          <a:stretch/>
         </p:blipFill>
         <p:spPr>
           <a:xfrm>
@@ -14920,13 +14912,12 @@
           <p:cNvPicPr preferRelativeResize="0"/>
           <p:nvPr/>
         </p:nvPicPr>
-        <p:blipFill>
+        <p:blipFill rotWithShape="1">
           <a:blip r:embed="rId3">
             <a:alphaModFix/>
           </a:blip>
-          <a:stretch>
-            <a:fillRect/>
-          </a:stretch>
+          <a:srcRect b="0" l="0" r="0" t="0"/>
+          <a:stretch/>
         </p:blipFill>
         <p:spPr>
           <a:xfrm>
@@ -14951,6 +14942,285 @@
 </file>
 
 <file path=ppt/theme/theme1.xml><?xml version="1.0" encoding="utf-8"?>
+<a:theme xmlns:a="http://schemas.openxmlformats.org/drawingml/2006/main" xmlns:r="http://schemas.openxmlformats.org/officeDocument/2006/relationships">
+  <a:themeElements>
+    <a:clrScheme name="Default">
+      <a:dk1>
+        <a:srgbClr val="000000"/>
+      </a:dk1>
+      <a:lt1>
+        <a:srgbClr val="FFFFFF"/>
+      </a:lt1>
+      <a:dk2>
+        <a:srgbClr val="158158"/>
+      </a:dk2>
+      <a:lt2>
+        <a:srgbClr val="F3F3F3"/>
+      </a:lt2>
+      <a:accent1>
+        <a:srgbClr val="058DC7"/>
+      </a:accent1>
+      <a:accent2>
+        <a:srgbClr val="50B432"/>
+      </a:accent2>
+      <a:accent3>
+        <a:srgbClr val="ED561B"/>
+      </a:accent3>
+      <a:accent4>
+        <a:srgbClr val="EDEF00"/>
+      </a:accent4>
+      <a:accent5>
+        <a:srgbClr val="24CBE5"/>
+      </a:accent5>
+      <a:accent6>
+        <a:srgbClr val="64E572"/>
+      </a:accent6>
+      <a:hlink>
+        <a:srgbClr val="2200CC"/>
+      </a:hlink>
+      <a:folHlink>
+        <a:srgbClr val="551A8B"/>
+      </a:folHlink>
+    </a:clrScheme>
+    <a:fontScheme name="Office">
+      <a:majorFont>
+        <a:latin typeface="Arial"/>
+        <a:ea typeface=""/>
+        <a:cs typeface=""/>
+        <a:font script="Jpan" typeface="ＭＳ Ｐゴシック"/>
+        <a:font script="Hang" typeface="맑은 고딕"/>
+        <a:font script="Hans" typeface="宋体"/>
+        <a:font script="Hant" typeface="新細明體"/>
+        <a:font script="Arab" typeface="Times New Roman"/>
+        <a:font script="Hebr" typeface="Times New Roman"/>
+        <a:font script="Thai" typeface="Angsana New"/>
+        <a:font script="Ethi" typeface="Nyala"/>
+        <a:font script="Beng" typeface="Vrinda"/>
+        <a:font script="Gujr" typeface="Shruti"/>
+        <a:font script="Khmr" typeface="MoolBoran"/>
+        <a:font script="Knda" typeface="Tunga"/>
+        <a:font script="Guru" typeface="Raavi"/>
+        <a:font script="Cans" typeface="Euphemia"/>
+        <a:font script="Cher" typeface="Plantagenet Cherokee"/>
+        <a:font script="Yiii" typeface="Microsoft Yi Baiti"/>
+        <a:font script="Tibt" typeface="Microsoft Himalaya"/>
+        <a:font script="Thaa" typeface="MV Boli"/>
+        <a:font script="Deva" typeface="Mangal"/>
+        <a:font script="Telu" typeface="Gautami"/>
+        <a:font script="Taml" typeface="Latha"/>
+        <a:font script="Syrc" typeface="Estrangelo Edessa"/>
+        <a:font script="Orya" typeface="Kalinga"/>
+        <a:font script="Mlym" typeface="Kartika"/>
+        <a:font script="Laoo" typeface="DokChampa"/>
+        <a:font script="Sinh" typeface="Iskoola Pota"/>
+        <a:font script="Mong" typeface="Mongolian Baiti"/>
+        <a:font script="Viet" typeface="Times New Roman"/>
+        <a:font script="Uigh" typeface="Microsoft Uighur"/>
+        <a:font script="Geor" typeface="Sylfaen"/>
+      </a:majorFont>
+      <a:minorFont>
+        <a:latin typeface="Arial"/>
+        <a:ea typeface=""/>
+        <a:cs typeface=""/>
+        <a:font script="Jpan" typeface="ＭＳ Ｐゴシック"/>
+        <a:font script="Hang" typeface="맑은 고딕"/>
+        <a:font script="Hans" typeface="宋体"/>
+        <a:font script="Hant" typeface="新細明體"/>
+        <a:font script="Arab" typeface="Arial"/>
+        <a:font script="Hebr" typeface="Arial"/>
+        <a:font script="Thai" typeface="Cordia New"/>
+        <a:font script="Ethi" typeface="Nyala"/>
+        <a:font script="Beng" typeface="Vrinda"/>
+        <a:font script="Gujr" typeface="Shruti"/>
+        <a:font script="Khmr" typeface="DaunPenh"/>
+        <a:font script="Knda" typeface="Tunga"/>
+        <a:font script="Guru" typeface="Raavi"/>
+        <a:font script="Cans" typeface="Euphemia"/>
+        <a:font script="Cher" typeface="Plantagenet Cherokee"/>
+        <a:font script="Yiii" typeface="Microsoft Yi Baiti"/>
+        <a:font script="Tibt" typeface="Microsoft Himalaya"/>
+        <a:font script="Thaa" typeface="MV Boli"/>
+        <a:font script="Deva" typeface="Mangal"/>
+        <a:font script="Telu" typeface="Gautami"/>
+        <a:font script="Taml" typeface="Latha"/>
+        <a:font script="Syrc" typeface="Estrangelo Edessa"/>
+        <a:font script="Orya" typeface="Kalinga"/>
+        <a:font script="Mlym" typeface="Kartika"/>
+        <a:font script="Laoo" typeface="DokChampa"/>
+        <a:font script="Sinh" typeface="Iskoola Pota"/>
+        <a:font script="Mong" typeface="Mongolian Baiti"/>
+        <a:font script="Viet" typeface="Arial"/>
+        <a:font script="Uigh" typeface="Microsoft Uighur"/>
+        <a:font script="Geor" typeface="Sylfaen"/>
+      </a:minorFont>
+    </a:fontScheme>
+    <a:fmtScheme name="Office">
+      <a:fillStyleLst>
+        <a:solidFill>
+          <a:schemeClr val="phClr"/>
+        </a:solidFill>
+        <a:gradFill rotWithShape="1">
+          <a:gsLst>
+            <a:gs pos="0">
+              <a:schemeClr val="phClr">
+                <a:tint val="50000"/>
+                <a:satMod val="300000"/>
+              </a:schemeClr>
+            </a:gs>
+            <a:gs pos="35000">
+              <a:schemeClr val="phClr">
+                <a:tint val="37000"/>
+                <a:satMod val="300000"/>
+              </a:schemeClr>
+            </a:gs>
+            <a:gs pos="100000">
+              <a:schemeClr val="phClr">
+                <a:tint val="15000"/>
+                <a:satMod val="350000"/>
+              </a:schemeClr>
+            </a:gs>
+          </a:gsLst>
+          <a:lin ang="16200000" scaled="1"/>
+        </a:gradFill>
+        <a:gradFill rotWithShape="1">
+          <a:gsLst>
+            <a:gs pos="0">
+              <a:schemeClr val="phClr">
+                <a:tint val="100000"/>
+                <a:shade val="100000"/>
+                <a:satMod val="130000"/>
+              </a:schemeClr>
+            </a:gs>
+            <a:gs pos="100000">
+              <a:schemeClr val="phClr">
+                <a:tint val="50000"/>
+                <a:shade val="100000"/>
+                <a:satMod val="350000"/>
+              </a:schemeClr>
+            </a:gs>
+          </a:gsLst>
+          <a:lin ang="16200000" scaled="0"/>
+        </a:gradFill>
+      </a:fillStyleLst>
+      <a:lnStyleLst>
+        <a:ln w="9525" cap="flat" cmpd="sng" algn="ctr">
+          <a:solidFill>
+            <a:schemeClr val="phClr">
+              <a:shade val="95000"/>
+              <a:satMod val="105000"/>
+            </a:schemeClr>
+          </a:solidFill>
+          <a:prstDash val="solid"/>
+        </a:ln>
+        <a:ln w="25400" cap="flat" cmpd="sng" algn="ctr">
+          <a:solidFill>
+            <a:schemeClr val="phClr"/>
+          </a:solidFill>
+          <a:prstDash val="solid"/>
+        </a:ln>
+        <a:ln w="38100" cap="flat" cmpd="sng" algn="ctr">
+          <a:solidFill>
+            <a:schemeClr val="phClr"/>
+          </a:solidFill>
+          <a:prstDash val="solid"/>
+        </a:ln>
+      </a:lnStyleLst>
+      <a:effectStyleLst>
+        <a:effectStyle>
+          <a:effectLst>
+            <a:outerShdw blurRad="40000" dist="20000" dir="5400000" rotWithShape="0">
+              <a:srgbClr val="000000">
+                <a:alpha val="38000"/>
+              </a:srgbClr>
+            </a:outerShdw>
+          </a:effectLst>
+        </a:effectStyle>
+        <a:effectStyle>
+          <a:effectLst>
+            <a:outerShdw blurRad="40000" dist="23000" dir="5400000" rotWithShape="0">
+              <a:srgbClr val="000000">
+                <a:alpha val="35000"/>
+              </a:srgbClr>
+            </a:outerShdw>
+          </a:effectLst>
+        </a:effectStyle>
+        <a:effectStyle>
+          <a:effectLst>
+            <a:outerShdw blurRad="40000" dist="23000" dir="5400000" rotWithShape="0">
+              <a:srgbClr val="000000">
+                <a:alpha val="35000"/>
+              </a:srgbClr>
+            </a:outerShdw>
+          </a:effectLst>
+          <a:scene3d>
+            <a:camera prst="orthographicFront">
+              <a:rot lat="0" lon="0" rev="0"/>
+            </a:camera>
+            <a:lightRig rig="threePt" dir="t">
+              <a:rot lat="0" lon="0" rev="1200000"/>
+            </a:lightRig>
+          </a:scene3d>
+          <a:sp3d>
+            <a:bevelT w="63500" h="25400"/>
+          </a:sp3d>
+        </a:effectStyle>
+      </a:effectStyleLst>
+      <a:bgFillStyleLst>
+        <a:solidFill>
+          <a:schemeClr val="phClr"/>
+        </a:solidFill>
+        <a:gradFill rotWithShape="1">
+          <a:gsLst>
+            <a:gs pos="0">
+              <a:schemeClr val="phClr">
+                <a:tint val="40000"/>
+                <a:satMod val="350000"/>
+              </a:schemeClr>
+            </a:gs>
+            <a:gs pos="40000">
+              <a:schemeClr val="phClr">
+                <a:tint val="45000"/>
+                <a:shade val="99000"/>
+                <a:satMod val="350000"/>
+              </a:schemeClr>
+            </a:gs>
+            <a:gs pos="100000">
+              <a:schemeClr val="phClr">
+                <a:shade val="20000"/>
+                <a:satMod val="255000"/>
+              </a:schemeClr>
+            </a:gs>
+          </a:gsLst>
+          <a:path path="circle">
+            <a:fillToRect l="50000" t="-80000" r="50000" b="180000"/>
+          </a:path>
+        </a:gradFill>
+        <a:gradFill rotWithShape="1">
+          <a:gsLst>
+            <a:gs pos="0">
+              <a:schemeClr val="phClr">
+                <a:tint val="80000"/>
+                <a:satMod val="300000"/>
+              </a:schemeClr>
+            </a:gs>
+            <a:gs pos="100000">
+              <a:schemeClr val="phClr">
+                <a:shade val="30000"/>
+                <a:satMod val="200000"/>
+              </a:schemeClr>
+            </a:gs>
+          </a:gsLst>
+          <a:path path="circle">
+            <a:fillToRect l="50000" t="50000" r="50000" b="50000"/>
+          </a:path>
+        </a:gradFill>
+      </a:bgFillStyleLst>
+    </a:fmtScheme>
+  </a:themeElements>
+</a:theme>
+</file>
+
+<file path=ppt/theme/theme2.xml><?xml version="1.0" encoding="utf-8"?>
 <a:theme xmlns:a="http://schemas.openxmlformats.org/drawingml/2006/main" xmlns:r="http://schemas.openxmlformats.org/officeDocument/2006/relationships" name="Tropic">
   <a:themeElements>
     <a:clrScheme name="Tropic">
@@ -15227,283 +15497,4 @@
     </a:fmtScheme>
   </a:themeElements>
 </a:theme>
-</file>
-
-<file path=ppt/theme/theme2.xml><?xml version="1.0" encoding="utf-8"?>
-<a:theme xmlns:a="http://schemas.openxmlformats.org/drawingml/2006/main" xmlns:r="http://schemas.openxmlformats.org/officeDocument/2006/relationships">
-  <a:themeElements>
-    <a:clrScheme name="Default">
-      <a:dk1>
-        <a:srgbClr val="000000"/>
-      </a:dk1>
-      <a:lt1>
-        <a:srgbClr val="FFFFFF"/>
-      </a:lt1>
-      <a:dk2>
-        <a:srgbClr val="158158"/>
-      </a:dk2>
-      <a:lt2>
-        <a:srgbClr val="F3F3F3"/>
-      </a:lt2>
-      <a:accent1>
-        <a:srgbClr val="058DC7"/>
-      </a:accent1>
-      <a:accent2>
-        <a:srgbClr val="50B432"/>
-      </a:accent2>
-      <a:accent3>
-        <a:srgbClr val="ED561B"/>
-      </a:accent3>
-      <a:accent4>
-        <a:srgbClr val="EDEF00"/>
-      </a:accent4>
-      <a:accent5>
-        <a:srgbClr val="24CBE5"/>
-      </a:accent5>
-      <a:accent6>
-        <a:srgbClr val="64E572"/>
-      </a:accent6>
-      <a:hlink>
-        <a:srgbClr val="2200CC"/>
-      </a:hlink>
-      <a:folHlink>
-        <a:srgbClr val="551A8B"/>
-      </a:folHlink>
-    </a:clrScheme>
-    <a:fontScheme name="Office">
-      <a:majorFont>
-        <a:latin typeface="Arial"/>
-        <a:ea typeface=""/>
-        <a:cs typeface=""/>
-        <a:font script="Jpan" typeface="ＭＳ Ｐゴシック"/>
-        <a:font script="Hang" typeface="맑은 고딕"/>
-        <a:font script="Hans" typeface="宋体"/>
-        <a:font script="Hant" typeface="新細明體"/>
-        <a:font script="Arab" typeface="Times New Roman"/>
-        <a:font script="Hebr" typeface="Times New Roman"/>
-        <a:font script="Thai" typeface="Angsana New"/>
-        <a:font script="Ethi" typeface="Nyala"/>
-        <a:font script="Beng" typeface="Vrinda"/>
-        <a:font script="Gujr" typeface="Shruti"/>
-        <a:font script="Khmr" typeface="MoolBoran"/>
-        <a:font script="Knda" typeface="Tunga"/>
-        <a:font script="Guru" typeface="Raavi"/>
-        <a:font script="Cans" typeface="Euphemia"/>
-        <a:font script="Cher" typeface="Plantagenet Cherokee"/>
-        <a:font script="Yiii" typeface="Microsoft Yi Baiti"/>
-        <a:font script="Tibt" typeface="Microsoft Himalaya"/>
-        <a:font script="Thaa" typeface="MV Boli"/>
-        <a:font script="Deva" typeface="Mangal"/>
-        <a:font script="Telu" typeface="Gautami"/>
-        <a:font script="Taml" typeface="Latha"/>
-        <a:font script="Syrc" typeface="Estrangelo Edessa"/>
-        <a:font script="Orya" typeface="Kalinga"/>
-        <a:font script="Mlym" typeface="Kartika"/>
-        <a:font script="Laoo" typeface="DokChampa"/>
-        <a:font script="Sinh" typeface="Iskoola Pota"/>
-        <a:font script="Mong" typeface="Mongolian Baiti"/>
-        <a:font script="Viet" typeface="Times New Roman"/>
-        <a:font script="Uigh" typeface="Microsoft Uighur"/>
-        <a:font script="Geor" typeface="Sylfaen"/>
-      </a:majorFont>
-      <a:minorFont>
-        <a:latin typeface="Arial"/>
-        <a:ea typeface=""/>
-        <a:cs typeface=""/>
-        <a:font script="Jpan" typeface="ＭＳ Ｐゴシック"/>
-        <a:font script="Hang" typeface="맑은 고딕"/>
-        <a:font script="Hans" typeface="宋体"/>
-        <a:font script="Hant" typeface="新細明體"/>
-        <a:font script="Arab" typeface="Arial"/>
-        <a:font script="Hebr" typeface="Arial"/>
-        <a:font script="Thai" typeface="Cordia New"/>
-        <a:font script="Ethi" typeface="Nyala"/>
-        <a:font script="Beng" typeface="Vrinda"/>
-        <a:font script="Gujr" typeface="Shruti"/>
-        <a:font script="Khmr" typeface="DaunPenh"/>
-        <a:font script="Knda" typeface="Tunga"/>
-        <a:font script="Guru" typeface="Raavi"/>
-        <a:font script="Cans" typeface="Euphemia"/>
-        <a:font script="Cher" typeface="Plantagenet Cherokee"/>
-        <a:font script="Yiii" typeface="Microsoft Yi Baiti"/>
-        <a:font script="Tibt" typeface="Microsoft Himalaya"/>
-        <a:font script="Thaa" typeface="MV Boli"/>
-        <a:font script="Deva" typeface="Mangal"/>
-        <a:font script="Telu" typeface="Gautami"/>
-        <a:font script="Taml" typeface="Latha"/>
-        <a:font script="Syrc" typeface="Estrangelo Edessa"/>
-        <a:font script="Orya" typeface="Kalinga"/>
-        <a:font script="Mlym" typeface="Kartika"/>
-        <a:font script="Laoo" typeface="DokChampa"/>
-        <a:font script="Sinh" typeface="Iskoola Pota"/>
-        <a:font script="Mong" typeface="Mongolian Baiti"/>
-        <a:font script="Viet" typeface="Arial"/>
-        <a:font script="Uigh" typeface="Microsoft Uighur"/>
-        <a:font script="Geor" typeface="Sylfaen"/>
-      </a:minorFont>
-    </a:fontScheme>
-    <a:fmtScheme name="Office">
-      <a:fillStyleLst>
-        <a:solidFill>
-          <a:schemeClr val="phClr"/>
-        </a:solidFill>
-        <a:gradFill rotWithShape="1">
-          <a:gsLst>
-            <a:gs pos="0">
-              <a:schemeClr val="phClr">
-                <a:tint val="50000"/>
-                <a:satMod val="300000"/>
-              </a:schemeClr>
-            </a:gs>
-            <a:gs pos="35000">
-              <a:schemeClr val="phClr">
-                <a:tint val="37000"/>
-                <a:satMod val="300000"/>
-              </a:schemeClr>
-            </a:gs>
-            <a:gs pos="100000">
-              <a:schemeClr val="phClr">
-                <a:tint val="15000"/>
-                <a:satMod val="350000"/>
-              </a:schemeClr>
-            </a:gs>
-          </a:gsLst>
-          <a:lin ang="16200000" scaled="1"/>
-        </a:gradFill>
-        <a:gradFill rotWithShape="1">
-          <a:gsLst>
-            <a:gs pos="0">
-              <a:schemeClr val="phClr">
-                <a:tint val="100000"/>
-                <a:shade val="100000"/>
-                <a:satMod val="130000"/>
-              </a:schemeClr>
-            </a:gs>
-            <a:gs pos="100000">
-              <a:schemeClr val="phClr">
-                <a:tint val="50000"/>
-                <a:shade val="100000"/>
-                <a:satMod val="350000"/>
-              </a:schemeClr>
-            </a:gs>
-          </a:gsLst>
-          <a:lin ang="16200000" scaled="0"/>
-        </a:gradFill>
-      </a:fillStyleLst>
-      <a:lnStyleLst>
-        <a:ln w="9525" cap="flat" cmpd="sng" algn="ctr">
-          <a:solidFill>
-            <a:schemeClr val="phClr">
-              <a:shade val="95000"/>
-              <a:satMod val="105000"/>
-            </a:schemeClr>
-          </a:solidFill>
-          <a:prstDash val="solid"/>
-        </a:ln>
-        <a:ln w="25400" cap="flat" cmpd="sng" algn="ctr">
-          <a:solidFill>
-            <a:schemeClr val="phClr"/>
-          </a:solidFill>
-          <a:prstDash val="solid"/>
-        </a:ln>
-        <a:ln w="38100" cap="flat" cmpd="sng" algn="ctr">
-          <a:solidFill>
-            <a:schemeClr val="phClr"/>
-          </a:solidFill>
-          <a:prstDash val="solid"/>
-        </a:ln>
-      </a:lnStyleLst>
-      <a:effectStyleLst>
-        <a:effectStyle>
-          <a:effectLst>
-            <a:outerShdw blurRad="40000" dist="20000" dir="5400000" rotWithShape="0">
-              <a:srgbClr val="000000">
-                <a:alpha val="38000"/>
-              </a:srgbClr>
-            </a:outerShdw>
-          </a:effectLst>
-        </a:effectStyle>
-        <a:effectStyle>
-          <a:effectLst>
-            <a:outerShdw blurRad="40000" dist="23000" dir="5400000" rotWithShape="0">
-              <a:srgbClr val="000000">
-                <a:alpha val="35000"/>
-              </a:srgbClr>
-            </a:outerShdw>
-          </a:effectLst>
-        </a:effectStyle>
-        <a:effectStyle>
-          <a:effectLst>
-            <a:outerShdw blurRad="40000" dist="23000" dir="5400000" rotWithShape="0">
-              <a:srgbClr val="000000">
-                <a:alpha val="35000"/>
-              </a:srgbClr>
-            </a:outerShdw>
-          </a:effectLst>
-          <a:scene3d>
-            <a:camera prst="orthographicFront">
-              <a:rot lat="0" lon="0" rev="0"/>
-            </a:camera>
-            <a:lightRig rig="threePt" dir="t">
-              <a:rot lat="0" lon="0" rev="1200000"/>
-            </a:lightRig>
-          </a:scene3d>
-          <a:sp3d>
-            <a:bevelT w="63500" h="25400"/>
-          </a:sp3d>
-        </a:effectStyle>
-      </a:effectStyleLst>
-      <a:bgFillStyleLst>
-        <a:solidFill>
-          <a:schemeClr val="phClr"/>
-        </a:solidFill>
-        <a:gradFill rotWithShape="1">
-          <a:gsLst>
-            <a:gs pos="0">
-              <a:schemeClr val="phClr">
-                <a:tint val="40000"/>
-                <a:satMod val="350000"/>
-              </a:schemeClr>
-            </a:gs>
-            <a:gs pos="40000">
-              <a:schemeClr val="phClr">
-                <a:tint val="45000"/>
-                <a:shade val="99000"/>
-                <a:satMod val="350000"/>
-              </a:schemeClr>
-            </a:gs>
-            <a:gs pos="100000">
-              <a:schemeClr val="phClr">
-                <a:shade val="20000"/>
-                <a:satMod val="255000"/>
-              </a:schemeClr>
-            </a:gs>
-          </a:gsLst>
-          <a:path path="circle">
-            <a:fillToRect l="50000" t="-80000" r="50000" b="180000"/>
-          </a:path>
-        </a:gradFill>
-        <a:gradFill rotWithShape="1">
-          <a:gsLst>
-            <a:gs pos="0">
-              <a:schemeClr val="phClr">
-                <a:tint val="80000"/>
-                <a:satMod val="300000"/>
-              </a:schemeClr>
-            </a:gs>
-            <a:gs pos="100000">
-              <a:schemeClr val="phClr">
-                <a:shade val="30000"/>
-                <a:satMod val="200000"/>
-              </a:schemeClr>
-            </a:gs>
-          </a:gsLst>
-          <a:path path="circle">
-            <a:fillToRect l="50000" t="50000" r="50000" b="50000"/>
-          </a:path>
-        </a:gradFill>
-      </a:bgFillStyleLst>
-    </a:fmtScheme>
-  </a:themeElements>
-</a:theme>
 </file>